--- a/Better Together CCC NYC.pptx
+++ b/Better Together CCC NYC.pptx
@@ -11,10 +11,11 @@
     <p:sldId id="260" r:id="rId5"/>
     <p:sldId id="262" r:id="rId6"/>
     <p:sldId id="263" r:id="rId7"/>
-    <p:sldId id="264" r:id="rId8"/>
-    <p:sldId id="265" r:id="rId9"/>
-    <p:sldId id="266" r:id="rId10"/>
-    <p:sldId id="257" r:id="rId11"/>
+    <p:sldId id="267" r:id="rId8"/>
+    <p:sldId id="264" r:id="rId9"/>
+    <p:sldId id="265" r:id="rId10"/>
+    <p:sldId id="266" r:id="rId11"/>
+    <p:sldId id="268" r:id="rId12"/>
   </p:sldIdLst>
   <p:sldSz cx="12192000" cy="6858000"/>
   <p:notesSz cx="6858000" cy="9144000"/>
@@ -113,13 +114,30 @@
       </a:defRPr>
     </a:lvl9pPr>
   </p:defaultTextStyle>
+  <p:extLst>
+    <p:ext uri="{EFAFB233-063F-42B5-8137-9DF3F51BA10A}">
+      <p15:sldGuideLst xmlns:p15="http://schemas.microsoft.com/office/powerpoint/2012/main"/>
+    </p:ext>
+  </p:extLst>
 </p:presentation>
+</file>
+
+<file path=ppt/commentAuthors.xml><?xml version="1.0" encoding="utf-8"?>
+<p:cmAuthorLst xmlns:a="http://schemas.openxmlformats.org/drawingml/2006/main" xmlns:r="http://schemas.openxmlformats.org/officeDocument/2006/relationships" xmlns:p="http://schemas.openxmlformats.org/presentationml/2006/main">
+  <p:cmAuthor id="1" name="Jason Wattier" initials="JW" lastIdx="1" clrIdx="0">
+    <p:extLst>
+      <p:ext uri="{19B8F6BF-5375-455C-9EA6-DF929625EA0E}">
+        <p15:presenceInfo xmlns:p15="http://schemas.microsoft.com/office/powerpoint/2012/main" userId="de6cb9e11468ad32" providerId="Windows Live"/>
+      </p:ext>
+    </p:extLst>
+  </p:cmAuthor>
+</p:cmAuthorLst>
 </file>
 
 <file path=ppt/revisionInfo.xml><?xml version="1.0" encoding="utf-8"?>
 <p1510:revInfo xmlns:a="http://schemas.openxmlformats.org/drawingml/2006/main" xmlns:r="http://schemas.openxmlformats.org/officeDocument/2006/relationships" xmlns:p1510="http://schemas.microsoft.com/office/powerpoint/2015/10/main">
   <p1510:revLst>
-    <p1510:client id="{ED1BF63C-F5A7-4498-8573-2BF7C6162C2B}" v="8" dt="2020-03-27T03:10:03.945"/>
+    <p1510:client id="{ED1BF63C-F5A7-4498-8573-2BF7C6162C2B}" v="15" dt="2020-03-27T07:20:38.120"/>
   </p1510:revLst>
 </p1510:revInfo>
 </file>
@@ -128,19 +146,134 @@
 <pc:chgInfo xmlns:a="http://schemas.openxmlformats.org/drawingml/2006/main" xmlns:r="http://schemas.openxmlformats.org/officeDocument/2006/relationships" xmlns:ac="http://schemas.microsoft.com/office/drawing/2013/main/command" xmlns:pc="http://schemas.microsoft.com/office/powerpoint/2013/main/command">
   <pc:docChgLst>
     <pc:chgData name="Jason Wattier" userId="de6cb9e11468ad32" providerId="LiveId" clId="{ED1BF63C-F5A7-4498-8573-2BF7C6162C2B}"/>
-    <pc:docChg chg="custSel addSld delSld modSld">
-      <pc:chgData name="Jason Wattier" userId="de6cb9e11468ad32" providerId="LiveId" clId="{ED1BF63C-F5A7-4498-8573-2BF7C6162C2B}" dt="2020-03-27T03:11:09.998" v="625" actId="20577"/>
+    <pc:docChg chg="undo custSel addSld delSld modSld">
+      <pc:chgData name="Jason Wattier" userId="de6cb9e11468ad32" providerId="LiveId" clId="{ED1BF63C-F5A7-4498-8573-2BF7C6162C2B}" dt="2020-03-27T07:21:18.182" v="3172" actId="20577"/>
       <pc:docMkLst>
         <pc:docMk/>
       </pc:docMkLst>
-      <pc:sldChg chg="modSp add">
-        <pc:chgData name="Jason Wattier" userId="de6cb9e11468ad32" providerId="LiveId" clId="{ED1BF63C-F5A7-4498-8573-2BF7C6162C2B}" dt="2020-03-27T03:01:11.561" v="96" actId="20577"/>
+      <pc:sldChg chg="del">
+        <pc:chgData name="Jason Wattier" userId="de6cb9e11468ad32" providerId="LiveId" clId="{ED1BF63C-F5A7-4498-8573-2BF7C6162C2B}" dt="2020-03-27T07:20:41.634" v="3140" actId="47"/>
+        <pc:sldMkLst>
+          <pc:docMk/>
+          <pc:sldMk cId="3537249684" sldId="257"/>
+        </pc:sldMkLst>
+      </pc:sldChg>
+      <pc:sldChg chg="modSp">
+        <pc:chgData name="Jason Wattier" userId="de6cb9e11468ad32" providerId="LiveId" clId="{ED1BF63C-F5A7-4498-8573-2BF7C6162C2B}" dt="2020-03-27T06:23:11.126" v="705" actId="20577"/>
+        <pc:sldMkLst>
+          <pc:docMk/>
+          <pc:sldMk cId="2177531203" sldId="258"/>
+        </pc:sldMkLst>
+        <pc:spChg chg="mod">
+          <ac:chgData name="Jason Wattier" userId="de6cb9e11468ad32" providerId="LiveId" clId="{ED1BF63C-F5A7-4498-8573-2BF7C6162C2B}" dt="2020-03-27T06:23:11.126" v="705" actId="20577"/>
+          <ac:spMkLst>
+            <pc:docMk/>
+            <pc:sldMk cId="2177531203" sldId="258"/>
+            <ac:spMk id="3" creationId="{A59B4ECB-6CD6-4F95-90AF-9E329B86475B}"/>
+          </ac:spMkLst>
+        </pc:spChg>
+      </pc:sldChg>
+      <pc:sldChg chg="modSp">
+        <pc:chgData name="Jason Wattier" userId="de6cb9e11468ad32" providerId="LiveId" clId="{ED1BF63C-F5A7-4498-8573-2BF7C6162C2B}" dt="2020-03-27T06:24:57.978" v="813" actId="20577"/>
+        <pc:sldMkLst>
+          <pc:docMk/>
+          <pc:sldMk cId="3953112773" sldId="259"/>
+        </pc:sldMkLst>
+        <pc:spChg chg="mod">
+          <ac:chgData name="Jason Wattier" userId="de6cb9e11468ad32" providerId="LiveId" clId="{ED1BF63C-F5A7-4498-8573-2BF7C6162C2B}" dt="2020-03-27T06:24:57.978" v="813" actId="20577"/>
+          <ac:spMkLst>
+            <pc:docMk/>
+            <pc:sldMk cId="3953112773" sldId="259"/>
+            <ac:spMk id="3" creationId="{BC6C7E0E-EAA2-4A05-87FD-F5CB03405315}"/>
+          </ac:spMkLst>
+        </pc:spChg>
+      </pc:sldChg>
+      <pc:sldChg chg="modSp">
+        <pc:chgData name="Jason Wattier" userId="de6cb9e11468ad32" providerId="LiveId" clId="{ED1BF63C-F5A7-4498-8573-2BF7C6162C2B}" dt="2020-03-27T06:26:00.844" v="819" actId="113"/>
+        <pc:sldMkLst>
+          <pc:docMk/>
+          <pc:sldMk cId="1654709154" sldId="260"/>
+        </pc:sldMkLst>
+        <pc:spChg chg="mod">
+          <ac:chgData name="Jason Wattier" userId="de6cb9e11468ad32" providerId="LiveId" clId="{ED1BF63C-F5A7-4498-8573-2BF7C6162C2B}" dt="2020-03-27T06:26:00.844" v="819" actId="113"/>
+          <ac:spMkLst>
+            <pc:docMk/>
+            <pc:sldMk cId="1654709154" sldId="260"/>
+            <ac:spMk id="2" creationId="{1258C140-279E-4E78-A8D5-979E43AC900E}"/>
+          </ac:spMkLst>
+        </pc:spChg>
+        <pc:spChg chg="mod">
+          <ac:chgData name="Jason Wattier" userId="de6cb9e11468ad32" providerId="LiveId" clId="{ED1BF63C-F5A7-4498-8573-2BF7C6162C2B}" dt="2020-03-27T06:25:11.960" v="814" actId="255"/>
+          <ac:spMkLst>
+            <pc:docMk/>
+            <pc:sldMk cId="1654709154" sldId="260"/>
+            <ac:spMk id="3" creationId="{B552D6DE-9928-480A-AA1B-D48CC933E2D9}"/>
+          </ac:spMkLst>
+        </pc:spChg>
+        <pc:spChg chg="mod">
+          <ac:chgData name="Jason Wattier" userId="de6cb9e11468ad32" providerId="LiveId" clId="{ED1BF63C-F5A7-4498-8573-2BF7C6162C2B}" dt="2020-03-27T06:25:27.942" v="816" actId="255"/>
+          <ac:spMkLst>
+            <pc:docMk/>
+            <pc:sldMk cId="1654709154" sldId="260"/>
+            <ac:spMk id="4" creationId="{AA692ACB-37D8-4BA6-BB17-3F96BC023B1E}"/>
+          </ac:spMkLst>
+        </pc:spChg>
+        <pc:spChg chg="mod">
+          <ac:chgData name="Jason Wattier" userId="de6cb9e11468ad32" providerId="LiveId" clId="{ED1BF63C-F5A7-4498-8573-2BF7C6162C2B}" dt="2020-03-27T06:25:19.653" v="815" actId="255"/>
+          <ac:spMkLst>
+            <pc:docMk/>
+            <pc:sldMk cId="1654709154" sldId="260"/>
+            <ac:spMk id="5" creationId="{4029B055-DDCE-4ACA-A381-8159B4D76509}"/>
+          </ac:spMkLst>
+        </pc:spChg>
+        <pc:spChg chg="mod">
+          <ac:chgData name="Jason Wattier" userId="de6cb9e11468ad32" providerId="LiveId" clId="{ED1BF63C-F5A7-4498-8573-2BF7C6162C2B}" dt="2020-03-27T06:25:45.634" v="818" actId="255"/>
+          <ac:spMkLst>
+            <pc:docMk/>
+            <pc:sldMk cId="1654709154" sldId="260"/>
+            <ac:spMk id="6" creationId="{8FF9AD85-BA57-4CCB-885D-2465ECA6A794}"/>
+          </ac:spMkLst>
+        </pc:spChg>
+      </pc:sldChg>
+      <pc:sldChg chg="delSp modSp">
+        <pc:chgData name="Jason Wattier" userId="de6cb9e11468ad32" providerId="LiveId" clId="{ED1BF63C-F5A7-4498-8573-2BF7C6162C2B}" dt="2020-03-27T06:30:39.281" v="1088" actId="20577"/>
+        <pc:sldMkLst>
+          <pc:docMk/>
+          <pc:sldMk cId="669646373" sldId="262"/>
+        </pc:sldMkLst>
+        <pc:spChg chg="mod">
+          <ac:chgData name="Jason Wattier" userId="de6cb9e11468ad32" providerId="LiveId" clId="{ED1BF63C-F5A7-4498-8573-2BF7C6162C2B}" dt="2020-03-27T06:27:10.774" v="845" actId="255"/>
+          <ac:spMkLst>
+            <pc:docMk/>
+            <pc:sldMk cId="669646373" sldId="262"/>
+            <ac:spMk id="2" creationId="{D7CB8EAB-C9FE-476E-A057-9858F7A35A7B}"/>
+          </ac:spMkLst>
+        </pc:spChg>
+        <pc:spChg chg="mod">
+          <ac:chgData name="Jason Wattier" userId="de6cb9e11468ad32" providerId="LiveId" clId="{ED1BF63C-F5A7-4498-8573-2BF7C6162C2B}" dt="2020-03-27T06:30:39.281" v="1088" actId="20577"/>
+          <ac:spMkLst>
+            <pc:docMk/>
+            <pc:sldMk cId="669646373" sldId="262"/>
+            <ac:spMk id="3" creationId="{2F186D55-0609-4F0A-958C-96015A967471}"/>
+          </ac:spMkLst>
+        </pc:spChg>
+        <pc:spChg chg="del">
+          <ac:chgData name="Jason Wattier" userId="de6cb9e11468ad32" providerId="LiveId" clId="{ED1BF63C-F5A7-4498-8573-2BF7C6162C2B}" dt="2020-03-27T06:26:21.116" v="820" actId="478"/>
+          <ac:spMkLst>
+            <pc:docMk/>
+            <pc:sldMk cId="669646373" sldId="262"/>
+            <ac:spMk id="4" creationId="{37E36561-3222-4739-96C4-06B335CCA78B}"/>
+          </ac:spMkLst>
+        </pc:spChg>
+      </pc:sldChg>
+      <pc:sldChg chg="addSp delSp modSp add">
+        <pc:chgData name="Jason Wattier" userId="de6cb9e11468ad32" providerId="LiveId" clId="{ED1BF63C-F5A7-4498-8573-2BF7C6162C2B}" dt="2020-03-27T06:42:27.585" v="1396"/>
         <pc:sldMkLst>
           <pc:docMk/>
           <pc:sldMk cId="299699445" sldId="263"/>
         </pc:sldMkLst>
-        <pc:spChg chg="mod">
-          <ac:chgData name="Jason Wattier" userId="de6cb9e11468ad32" providerId="LiveId" clId="{ED1BF63C-F5A7-4498-8573-2BF7C6162C2B}" dt="2020-03-27T02:56:35.223" v="20" actId="20577"/>
+        <pc:spChg chg="add del mod">
+          <ac:chgData name="Jason Wattier" userId="de6cb9e11468ad32" providerId="LiveId" clId="{ED1BF63C-F5A7-4498-8573-2BF7C6162C2B}" dt="2020-03-27T06:32:32.298" v="1091" actId="113"/>
           <ac:spMkLst>
             <pc:docMk/>
             <pc:sldMk cId="299699445" sldId="263"/>
@@ -148,22 +281,46 @@
           </ac:spMkLst>
         </pc:spChg>
         <pc:spChg chg="mod">
-          <ac:chgData name="Jason Wattier" userId="de6cb9e11468ad32" providerId="LiveId" clId="{ED1BF63C-F5A7-4498-8573-2BF7C6162C2B}" dt="2020-03-27T03:01:11.561" v="96" actId="20577"/>
+          <ac:chgData name="Jason Wattier" userId="de6cb9e11468ad32" providerId="LiveId" clId="{ED1BF63C-F5A7-4498-8573-2BF7C6162C2B}" dt="2020-03-27T06:30:17.073" v="1054" actId="255"/>
           <ac:spMkLst>
             <pc:docMk/>
             <pc:sldMk cId="299699445" sldId="263"/>
             <ac:spMk id="3" creationId="{2F186D55-0609-4F0A-958C-96015A967471}"/>
           </ac:spMkLst>
         </pc:spChg>
+        <pc:spChg chg="del">
+          <ac:chgData name="Jason Wattier" userId="de6cb9e11468ad32" providerId="LiveId" clId="{ED1BF63C-F5A7-4498-8573-2BF7C6162C2B}" dt="2020-03-27T06:27:59.029" v="849" actId="478"/>
+          <ac:spMkLst>
+            <pc:docMk/>
+            <pc:sldMk cId="299699445" sldId="263"/>
+            <ac:spMk id="4" creationId="{37E36561-3222-4739-96C4-06B335CCA78B}"/>
+          </ac:spMkLst>
+        </pc:spChg>
+        <pc:spChg chg="add del mod">
+          <ac:chgData name="Jason Wattier" userId="de6cb9e11468ad32" providerId="LiveId" clId="{ED1BF63C-F5A7-4498-8573-2BF7C6162C2B}" dt="2020-03-27T06:27:55.097" v="848" actId="478"/>
+          <ac:spMkLst>
+            <pc:docMk/>
+            <pc:sldMk cId="299699445" sldId="263"/>
+            <ac:spMk id="6" creationId="{789F9710-E713-4533-A1B0-92B89CB0715B}"/>
+          </ac:spMkLst>
+        </pc:spChg>
+        <pc:spChg chg="add del">
+          <ac:chgData name="Jason Wattier" userId="de6cb9e11468ad32" providerId="LiveId" clId="{ED1BF63C-F5A7-4498-8573-2BF7C6162C2B}" dt="2020-03-27T06:42:27.585" v="1396"/>
+          <ac:spMkLst>
+            <pc:docMk/>
+            <pc:sldMk cId="299699445" sldId="263"/>
+            <ac:spMk id="7" creationId="{0E9C972B-B82F-40DE-815E-61E8C5674D90}"/>
+          </ac:spMkLst>
+        </pc:spChg>
       </pc:sldChg>
-      <pc:sldChg chg="modSp add">
-        <pc:chgData name="Jason Wattier" userId="de6cb9e11468ad32" providerId="LiveId" clId="{ED1BF63C-F5A7-4498-8573-2BF7C6162C2B}" dt="2020-03-27T03:03:00.977" v="264" actId="20577"/>
+      <pc:sldChg chg="delSp modSp add">
+        <pc:chgData name="Jason Wattier" userId="de6cb9e11468ad32" providerId="LiveId" clId="{ED1BF63C-F5A7-4498-8573-2BF7C6162C2B}" dt="2020-03-27T06:37:49.444" v="1394" actId="20577"/>
         <pc:sldMkLst>
           <pc:docMk/>
           <pc:sldMk cId="3074340298" sldId="264"/>
         </pc:sldMkLst>
         <pc:spChg chg="mod">
-          <ac:chgData name="Jason Wattier" userId="de6cb9e11468ad32" providerId="LiveId" clId="{ED1BF63C-F5A7-4498-8573-2BF7C6162C2B}" dt="2020-03-27T03:02:15.345" v="115" actId="20577"/>
+          <ac:chgData name="Jason Wattier" userId="de6cb9e11468ad32" providerId="LiveId" clId="{ED1BF63C-F5A7-4498-8573-2BF7C6162C2B}" dt="2020-03-27T06:34:42.530" v="1223" actId="20577"/>
           <ac:spMkLst>
             <pc:docMk/>
             <pc:sldMk cId="3074340298" sldId="264"/>
@@ -171,22 +328,30 @@
           </ac:spMkLst>
         </pc:spChg>
         <pc:spChg chg="mod">
-          <ac:chgData name="Jason Wattier" userId="de6cb9e11468ad32" providerId="LiveId" clId="{ED1BF63C-F5A7-4498-8573-2BF7C6162C2B}" dt="2020-03-27T03:03:00.977" v="264" actId="20577"/>
+          <ac:chgData name="Jason Wattier" userId="de6cb9e11468ad32" providerId="LiveId" clId="{ED1BF63C-F5A7-4498-8573-2BF7C6162C2B}" dt="2020-03-27T06:37:49.444" v="1394" actId="20577"/>
           <ac:spMkLst>
             <pc:docMk/>
             <pc:sldMk cId="3074340298" sldId="264"/>
             <ac:spMk id="3" creationId="{2F186D55-0609-4F0A-958C-96015A967471}"/>
           </ac:spMkLst>
         </pc:spChg>
+        <pc:spChg chg="del">
+          <ac:chgData name="Jason Wattier" userId="de6cb9e11468ad32" providerId="LiveId" clId="{ED1BF63C-F5A7-4498-8573-2BF7C6162C2B}" dt="2020-03-27T06:30:54.062" v="1089" actId="478"/>
+          <ac:spMkLst>
+            <pc:docMk/>
+            <pc:sldMk cId="3074340298" sldId="264"/>
+            <ac:spMk id="4" creationId="{37E36561-3222-4739-96C4-06B335CCA78B}"/>
+          </ac:spMkLst>
+        </pc:spChg>
       </pc:sldChg>
-      <pc:sldChg chg="modSp add">
-        <pc:chgData name="Jason Wattier" userId="de6cb9e11468ad32" providerId="LiveId" clId="{ED1BF63C-F5A7-4498-8573-2BF7C6162C2B}" dt="2020-03-27T03:09:26.993" v="380" actId="13926"/>
+      <pc:sldChg chg="delSp modSp add addCm modCm">
+        <pc:chgData name="Jason Wattier" userId="de6cb9e11468ad32" providerId="LiveId" clId="{ED1BF63C-F5A7-4498-8573-2BF7C6162C2B}" dt="2020-03-27T07:21:18.182" v="3172" actId="20577"/>
         <pc:sldMkLst>
           <pc:docMk/>
           <pc:sldMk cId="236543114" sldId="265"/>
         </pc:sldMkLst>
         <pc:spChg chg="mod">
-          <ac:chgData name="Jason Wattier" userId="de6cb9e11468ad32" providerId="LiveId" clId="{ED1BF63C-F5A7-4498-8573-2BF7C6162C2B}" dt="2020-03-27T03:03:32.121" v="276" actId="20577"/>
+          <ac:chgData name="Jason Wattier" userId="de6cb9e11468ad32" providerId="LiveId" clId="{ED1BF63C-F5A7-4498-8573-2BF7C6162C2B}" dt="2020-03-27T07:21:11.436" v="3159" actId="113"/>
           <ac:spMkLst>
             <pc:docMk/>
             <pc:sldMk cId="236543114" sldId="265"/>
@@ -194,22 +359,30 @@
           </ac:spMkLst>
         </pc:spChg>
         <pc:spChg chg="mod">
-          <ac:chgData name="Jason Wattier" userId="de6cb9e11468ad32" providerId="LiveId" clId="{ED1BF63C-F5A7-4498-8573-2BF7C6162C2B}" dt="2020-03-27T03:09:26.993" v="380" actId="13926"/>
+          <ac:chgData name="Jason Wattier" userId="de6cb9e11468ad32" providerId="LiveId" clId="{ED1BF63C-F5A7-4498-8573-2BF7C6162C2B}" dt="2020-03-27T07:21:18.182" v="3172" actId="20577"/>
           <ac:spMkLst>
             <pc:docMk/>
             <pc:sldMk cId="236543114" sldId="265"/>
             <ac:spMk id="3" creationId="{2F186D55-0609-4F0A-958C-96015A967471}"/>
           </ac:spMkLst>
         </pc:spChg>
+        <pc:spChg chg="del">
+          <ac:chgData name="Jason Wattier" userId="de6cb9e11468ad32" providerId="LiveId" clId="{ED1BF63C-F5A7-4498-8573-2BF7C6162C2B}" dt="2020-03-27T07:14:19.410" v="2563" actId="478"/>
+          <ac:spMkLst>
+            <pc:docMk/>
+            <pc:sldMk cId="236543114" sldId="265"/>
+            <ac:spMk id="4" creationId="{37E36561-3222-4739-96C4-06B335CCA78B}"/>
+          </ac:spMkLst>
+        </pc:spChg>
       </pc:sldChg>
       <pc:sldChg chg="modSp add">
-        <pc:chgData name="Jason Wattier" userId="de6cb9e11468ad32" providerId="LiveId" clId="{ED1BF63C-F5A7-4498-8573-2BF7C6162C2B}" dt="2020-03-27T03:11:09.998" v="625" actId="20577"/>
+        <pc:chgData name="Jason Wattier" userId="de6cb9e11468ad32" providerId="LiveId" clId="{ED1BF63C-F5A7-4498-8573-2BF7C6162C2B}" dt="2020-03-27T07:20:05.278" v="3138" actId="20577"/>
         <pc:sldMkLst>
           <pc:docMk/>
           <pc:sldMk cId="3165296934" sldId="266"/>
         </pc:sldMkLst>
         <pc:spChg chg="mod">
-          <ac:chgData name="Jason Wattier" userId="de6cb9e11468ad32" providerId="LiveId" clId="{ED1BF63C-F5A7-4498-8573-2BF7C6162C2B}" dt="2020-03-27T03:10:10.076" v="406" actId="20577"/>
+          <ac:chgData name="Jason Wattier" userId="de6cb9e11468ad32" providerId="LiveId" clId="{ED1BF63C-F5A7-4498-8573-2BF7C6162C2B}" dt="2020-03-27T07:15:14.212" v="2571" actId="20577"/>
           <ac:spMkLst>
             <pc:docMk/>
             <pc:sldMk cId="3165296934" sldId="266"/>
@@ -217,11 +390,19 @@
           </ac:spMkLst>
         </pc:spChg>
         <pc:spChg chg="mod">
-          <ac:chgData name="Jason Wattier" userId="de6cb9e11468ad32" providerId="LiveId" clId="{ED1BF63C-F5A7-4498-8573-2BF7C6162C2B}" dt="2020-03-27T03:11:09.998" v="625" actId="20577"/>
+          <ac:chgData name="Jason Wattier" userId="de6cb9e11468ad32" providerId="LiveId" clId="{ED1BF63C-F5A7-4498-8573-2BF7C6162C2B}" dt="2020-03-27T07:20:05.278" v="3138" actId="20577"/>
           <ac:spMkLst>
             <pc:docMk/>
             <pc:sldMk cId="3165296934" sldId="266"/>
             <ac:spMk id="3" creationId="{6A8089F9-F89C-4926-A5C7-6909BD500EFC}"/>
+          </ac:spMkLst>
+        </pc:spChg>
+        <pc:spChg chg="mod">
+          <ac:chgData name="Jason Wattier" userId="de6cb9e11468ad32" providerId="LiveId" clId="{ED1BF63C-F5A7-4498-8573-2BF7C6162C2B}" dt="2020-03-27T07:18:31.175" v="2972" actId="27636"/>
+          <ac:spMkLst>
+            <pc:docMk/>
+            <pc:sldMk cId="3165296934" sldId="266"/>
+            <ac:spMk id="4" creationId="{3BE4A983-806A-4BAE-AB51-51ADCA13F7B4}"/>
           </ac:spMkLst>
         </pc:spChg>
       </pc:sldChg>
@@ -239,9 +420,76 @@
           <pc:sldMk cId="4067404072" sldId="266"/>
         </pc:sldMkLst>
       </pc:sldChg>
+      <pc:sldChg chg="modSp add">
+        <pc:chgData name="Jason Wattier" userId="de6cb9e11468ad32" providerId="LiveId" clId="{ED1BF63C-F5A7-4498-8573-2BF7C6162C2B}" dt="2020-03-27T06:57:36.129" v="2168" actId="20577"/>
+        <pc:sldMkLst>
+          <pc:docMk/>
+          <pc:sldMk cId="1705735900" sldId="267"/>
+        </pc:sldMkLst>
+        <pc:spChg chg="mod">
+          <ac:chgData name="Jason Wattier" userId="de6cb9e11468ad32" providerId="LiveId" clId="{ED1BF63C-F5A7-4498-8573-2BF7C6162C2B}" dt="2020-03-27T06:43:49.070" v="1443" actId="20577"/>
+          <ac:spMkLst>
+            <pc:docMk/>
+            <pc:sldMk cId="1705735900" sldId="267"/>
+            <ac:spMk id="2" creationId="{D7CB8EAB-C9FE-476E-A057-9858F7A35A7B}"/>
+          </ac:spMkLst>
+        </pc:spChg>
+        <pc:spChg chg="mod">
+          <ac:chgData name="Jason Wattier" userId="de6cb9e11468ad32" providerId="LiveId" clId="{ED1BF63C-F5A7-4498-8573-2BF7C6162C2B}" dt="2020-03-27T06:57:36.129" v="2168" actId="20577"/>
+          <ac:spMkLst>
+            <pc:docMk/>
+            <pc:sldMk cId="1705735900" sldId="267"/>
+            <ac:spMk id="3" creationId="{2F186D55-0609-4F0A-958C-96015A967471}"/>
+          </ac:spMkLst>
+        </pc:spChg>
+      </pc:sldChg>
+      <pc:sldChg chg="add del">
+        <pc:chgData name="Jason Wattier" userId="de6cb9e11468ad32" providerId="LiveId" clId="{ED1BF63C-F5A7-4498-8573-2BF7C6162C2B}" dt="2020-03-27T06:42:33.224" v="1398"/>
+        <pc:sldMkLst>
+          <pc:docMk/>
+          <pc:sldMk cId="2487058826" sldId="267"/>
+        </pc:sldMkLst>
+      </pc:sldChg>
+      <pc:sldChg chg="delSp modSp add">
+        <pc:chgData name="Jason Wattier" userId="de6cb9e11468ad32" providerId="LiveId" clId="{ED1BF63C-F5A7-4498-8573-2BF7C6162C2B}" dt="2020-03-27T07:20:53.481" v="3158" actId="478"/>
+        <pc:sldMkLst>
+          <pc:docMk/>
+          <pc:sldMk cId="1670518466" sldId="268"/>
+        </pc:sldMkLst>
+        <pc:spChg chg="mod">
+          <ac:chgData name="Jason Wattier" userId="de6cb9e11468ad32" providerId="LiveId" clId="{ED1BF63C-F5A7-4498-8573-2BF7C6162C2B}" dt="2020-03-27T07:20:48.690" v="3157" actId="20577"/>
+          <ac:spMkLst>
+            <pc:docMk/>
+            <pc:sldMk cId="1670518466" sldId="268"/>
+            <ac:spMk id="2" creationId="{9BF69D86-3E19-4C2E-AF44-2620240ED1DD}"/>
+          </ac:spMkLst>
+        </pc:spChg>
+        <pc:spChg chg="del">
+          <ac:chgData name="Jason Wattier" userId="de6cb9e11468ad32" providerId="LiveId" clId="{ED1BF63C-F5A7-4498-8573-2BF7C6162C2B}" dt="2020-03-27T07:20:53.481" v="3158" actId="478"/>
+          <ac:spMkLst>
+            <pc:docMk/>
+            <pc:sldMk cId="1670518466" sldId="268"/>
+            <ac:spMk id="3" creationId="{1B89B1DC-BA04-4B28-90BD-6FF1DB66E149}"/>
+          </ac:spMkLst>
+        </pc:spChg>
+      </pc:sldChg>
     </pc:docChg>
   </pc:docChgLst>
 </pc:chgInfo>
+</file>
+
+<file path=ppt/comments/comment1.xml><?xml version="1.0" encoding="utf-8"?>
+<p:cmLst xmlns:a="http://schemas.openxmlformats.org/drawingml/2006/main" xmlns:r="http://schemas.openxmlformats.org/officeDocument/2006/relationships" xmlns:p="http://schemas.openxmlformats.org/presentationml/2006/main">
+  <p:cm authorId="1" dt="2020-03-27T02:14:33.425" idx="1">
+    <p:pos x="1581" y="1880"/>
+    <p:text>try to have diagram of inputs, process and outputs</p:text>
+    <p:extLst>
+      <p:ext uri="{C676402C-5697-4E1C-873F-D02D1690AC5C}">
+        <p15:threadingInfo xmlns:p15="http://schemas.microsoft.com/office/powerpoint/2012/main" timeZoneBias="300"/>
+      </p:ext>
+    </p:extLst>
+  </p:cm>
+</p:cmLst>
 </file>
 
 <file path=ppt/slideLayouts/slideLayout1.xml><?xml version="1.0" encoding="utf-8"?>
@@ -469,7 +717,7 @@
             <a:fld id="{5586B75A-687E-405C-8A0B-8D00578BA2C3}" type="datetimeFigureOut">
               <a:rPr lang="en-US" dirty="0"/>
               <a:pPr/>
-              <a:t>3/26/2020</a:t>
+              <a:t>3/27/2020</a:t>
             </a:fld>
             <a:endParaRPr lang="en-US" dirty="0"/>
           </a:p>
@@ -636,7 +884,7 @@
             <a:fld id="{5586B75A-687E-405C-8A0B-8D00578BA2C3}" type="datetimeFigureOut">
               <a:rPr lang="en-US" dirty="0"/>
               <a:pPr/>
-              <a:t>3/26/2020</a:t>
+              <a:t>3/27/2020</a:t>
             </a:fld>
             <a:endParaRPr lang="en-US" dirty="0"/>
           </a:p>
@@ -813,7 +1061,7 @@
             <a:fld id="{5586B75A-687E-405C-8A0B-8D00578BA2C3}" type="datetimeFigureOut">
               <a:rPr lang="en-US" dirty="0"/>
               <a:pPr/>
-              <a:t>3/26/2020</a:t>
+              <a:t>3/27/2020</a:t>
             </a:fld>
             <a:endParaRPr lang="en-US" dirty="0"/>
           </a:p>
@@ -980,7 +1228,7 @@
             <a:fld id="{5586B75A-687E-405C-8A0B-8D00578BA2C3}" type="datetimeFigureOut">
               <a:rPr lang="en-US" dirty="0"/>
               <a:pPr/>
-              <a:t>3/26/2020</a:t>
+              <a:t>3/27/2020</a:t>
             </a:fld>
             <a:endParaRPr lang="en-US" dirty="0"/>
           </a:p>
@@ -1235,7 +1483,7 @@
             <a:fld id="{5586B75A-687E-405C-8A0B-8D00578BA2C3}" type="datetimeFigureOut">
               <a:rPr lang="en-US" dirty="0"/>
               <a:pPr/>
-              <a:t>3/26/2020</a:t>
+              <a:t>3/27/2020</a:t>
             </a:fld>
             <a:endParaRPr lang="en-US" dirty="0"/>
           </a:p>
@@ -1520,7 +1768,7 @@
             <a:fld id="{5586B75A-687E-405C-8A0B-8D00578BA2C3}" type="datetimeFigureOut">
               <a:rPr lang="en-US" dirty="0"/>
               <a:pPr/>
-              <a:t>3/26/2020</a:t>
+              <a:t>3/27/2020</a:t>
             </a:fld>
             <a:endParaRPr lang="en-US" dirty="0"/>
           </a:p>
@@ -1959,7 +2207,7 @@
             <a:fld id="{5586B75A-687E-405C-8A0B-8D00578BA2C3}" type="datetimeFigureOut">
               <a:rPr lang="en-US" dirty="0"/>
               <a:pPr/>
-              <a:t>3/26/2020</a:t>
+              <a:t>3/27/2020</a:t>
             </a:fld>
             <a:endParaRPr lang="en-US" dirty="0"/>
           </a:p>
@@ -2074,7 +2322,7 @@
             <a:fld id="{5586B75A-687E-405C-8A0B-8D00578BA2C3}" type="datetimeFigureOut">
               <a:rPr lang="en-US" dirty="0"/>
               <a:pPr/>
-              <a:t>3/26/2020</a:t>
+              <a:t>3/27/2020</a:t>
             </a:fld>
             <a:endParaRPr lang="en-US" dirty="0"/>
           </a:p>
@@ -2166,7 +2414,7 @@
             <a:fld id="{5586B75A-687E-405C-8A0B-8D00578BA2C3}" type="datetimeFigureOut">
               <a:rPr lang="en-US" dirty="0"/>
               <a:pPr/>
-              <a:t>3/26/2020</a:t>
+              <a:t>3/27/2020</a:t>
             </a:fld>
             <a:endParaRPr lang="en-US" dirty="0"/>
           </a:p>
@@ -2451,7 +2699,7 @@
             <a:fld id="{5586B75A-687E-405C-8A0B-8D00578BA2C3}" type="datetimeFigureOut">
               <a:rPr lang="en-US" dirty="0"/>
               <a:pPr/>
-              <a:t>3/26/2020</a:t>
+              <a:t>3/27/2020</a:t>
             </a:fld>
             <a:endParaRPr lang="en-US" dirty="0"/>
           </a:p>
@@ -2721,7 +2969,7 @@
             <a:fld id="{5586B75A-687E-405C-8A0B-8D00578BA2C3}" type="datetimeFigureOut">
               <a:rPr lang="en-US" dirty="0"/>
               <a:pPr/>
-              <a:t>3/26/2020</a:t>
+              <a:t>3/27/2020</a:t>
             </a:fld>
             <a:endParaRPr lang="en-US" dirty="0"/>
           </a:p>
@@ -3015,7 +3263,7 @@
             <a:fld id="{5586B75A-687E-405C-8A0B-8D00578BA2C3}" type="datetimeFigureOut">
               <a:rPr lang="en-US" dirty="0"/>
               <a:pPr/>
-              <a:t>3/26/2020</a:t>
+              <a:t>3/27/2020</a:t>
             </a:fld>
             <a:endParaRPr lang="en-US" dirty="0"/>
           </a:p>
@@ -3585,7 +3833,7 @@
           <p:cNvPr id="2" name="Title 1">
             <a:extLst>
               <a:ext uri="{FF2B5EF4-FFF2-40B4-BE49-F238E27FC236}">
-                <a16:creationId xmlns:a16="http://schemas.microsoft.com/office/drawing/2014/main" id="{8CB0BA77-845C-4965-B44A-EBD98A20C42D}"/>
+                <a16:creationId xmlns:a16="http://schemas.microsoft.com/office/drawing/2014/main" id="{99D19D63-76FE-4AA3-9EB7-9F289AAC671C}"/>
               </a:ext>
             </a:extLst>
           </p:cNvPr>
@@ -3601,16 +3849,19 @@
           <a:bodyPr/>
           <a:lstStyle/>
           <a:p>
-            <a:endParaRPr lang="en-US"/>
-          </a:p>
-        </p:txBody>
-      </p:sp>
-      <p:sp>
-        <p:nvSpPr>
-          <p:cNvPr id="3" name="Text Placeholder 2">
+            <a:r>
+              <a:rPr lang="en-US" b="1" dirty="0"/>
+              <a:t>Future Ideas</a:t>
+            </a:r>
+          </a:p>
+        </p:txBody>
+      </p:sp>
+      <p:sp>
+        <p:nvSpPr>
+          <p:cNvPr id="3" name="Content Placeholder 2">
             <a:extLst>
               <a:ext uri="{FF2B5EF4-FFF2-40B4-BE49-F238E27FC236}">
-                <a16:creationId xmlns:a16="http://schemas.microsoft.com/office/drawing/2014/main" id="{AA6F6D22-EBDD-4107-A900-3F0FA13776FA}"/>
+                <a16:creationId xmlns:a16="http://schemas.microsoft.com/office/drawing/2014/main" id="{6A8089F9-F89C-4926-A5C7-6909BD500EFC}"/>
               </a:ext>
             </a:extLst>
           </p:cNvPr>
@@ -3618,22 +3869,154 @@
             <a:spLocks noGrp="1"/>
           </p:cNvSpPr>
           <p:nvPr>
-            <p:ph type="body" idx="1"/>
-          </p:nvPr>
-        </p:nvSpPr>
-        <p:spPr/>
-        <p:txBody>
-          <a:bodyPr/>
-          <a:lstStyle/>
-          <a:p>
-            <a:endParaRPr lang="en-US"/>
+            <p:ph sz="half" idx="1"/>
+          </p:nvPr>
+        </p:nvSpPr>
+        <p:spPr/>
+        <p:txBody>
+          <a:bodyPr>
+            <a:normAutofit/>
+          </a:bodyPr>
+          <a:lstStyle/>
+          <a:p>
+            <a:r>
+              <a:rPr lang="en-US" dirty="0"/>
+              <a:t>Three primary areas:</a:t>
+            </a:r>
+          </a:p>
+          <a:p>
+            <a:pPr lvl="1"/>
+            <a:r>
+              <a:rPr lang="en-US" dirty="0"/>
+              <a:t>Level of analysis – allow for Census Block or Census Tract</a:t>
+            </a:r>
+          </a:p>
+          <a:p>
+            <a:pPr lvl="1"/>
+            <a:r>
+              <a:rPr lang="en-US" dirty="0"/>
+              <a:t>Flexibility in metric calculation: </a:t>
+            </a:r>
+          </a:p>
+          <a:p>
+            <a:pPr lvl="2"/>
+            <a:r>
+              <a:rPr lang="en-US" dirty="0"/>
+              <a:t>Different metrics for different resources</a:t>
+            </a:r>
+          </a:p>
+          <a:p>
+            <a:pPr lvl="2"/>
+            <a:r>
+              <a:rPr lang="en-US" dirty="0"/>
+              <a:t>Different weighting of travel time per asset category</a:t>
+            </a:r>
+          </a:p>
+          <a:p>
+            <a:pPr lvl="2"/>
+            <a:r>
+              <a:rPr lang="en-US" dirty="0"/>
+              <a:t>Composite Score </a:t>
+            </a:r>
+          </a:p>
+          <a:p>
+            <a:pPr lvl="1"/>
+            <a:r>
+              <a:rPr lang="en-US" dirty="0"/>
+              <a:t>Support more analysis and information discovery within the application </a:t>
+            </a:r>
+          </a:p>
+        </p:txBody>
+      </p:sp>
+      <p:sp>
+        <p:nvSpPr>
+          <p:cNvPr id="4" name="Content Placeholder 3">
+            <a:extLst>
+              <a:ext uri="{FF2B5EF4-FFF2-40B4-BE49-F238E27FC236}">
+                <a16:creationId xmlns:a16="http://schemas.microsoft.com/office/drawing/2014/main" id="{3BE4A983-806A-4BAE-AB51-51ADCA13F7B4}"/>
+              </a:ext>
+            </a:extLst>
+          </p:cNvPr>
+          <p:cNvSpPr>
+            <a:spLocks noGrp="1"/>
+          </p:cNvSpPr>
+          <p:nvPr>
+            <p:ph sz="half" idx="2"/>
+          </p:nvPr>
+        </p:nvSpPr>
+        <p:spPr/>
+        <p:txBody>
+          <a:bodyPr>
+            <a:normAutofit/>
+          </a:bodyPr>
+          <a:lstStyle/>
+          <a:p>
+            <a:endParaRPr lang="en-US" dirty="0"/>
           </a:p>
         </p:txBody>
       </p:sp>
     </p:spTree>
     <p:extLst>
       <p:ext uri="{BB962C8B-B14F-4D97-AF65-F5344CB8AC3E}">
-        <p14:creationId xmlns:p14="http://schemas.microsoft.com/office/powerpoint/2010/main" val="3537249684"/>
+        <p14:creationId xmlns:p14="http://schemas.microsoft.com/office/powerpoint/2010/main" val="3165296934"/>
+      </p:ext>
+    </p:extLst>
+  </p:cSld>
+  <p:clrMapOvr>
+    <a:masterClrMapping/>
+  </p:clrMapOvr>
+</p:sld>
+</file>
+
+<file path=ppt/slides/slide11.xml><?xml version="1.0" encoding="utf-8"?>
+<p:sld xmlns:a="http://schemas.openxmlformats.org/drawingml/2006/main" xmlns:r="http://schemas.openxmlformats.org/officeDocument/2006/relationships" xmlns:p="http://schemas.openxmlformats.org/presentationml/2006/main">
+  <p:cSld>
+    <p:spTree>
+      <p:nvGrpSpPr>
+        <p:cNvPr id="1" name=""/>
+        <p:cNvGrpSpPr/>
+        <p:nvPr/>
+      </p:nvGrpSpPr>
+      <p:grpSpPr>
+        <a:xfrm>
+          <a:off x="0" y="0"/>
+          <a:ext cx="0" cy="0"/>
+          <a:chOff x="0" y="0"/>
+          <a:chExt cx="0" cy="0"/>
+        </a:xfrm>
+      </p:grpSpPr>
+      <p:sp>
+        <p:nvSpPr>
+          <p:cNvPr id="2" name="Title 1">
+            <a:extLst>
+              <a:ext uri="{FF2B5EF4-FFF2-40B4-BE49-F238E27FC236}">
+                <a16:creationId xmlns:a16="http://schemas.microsoft.com/office/drawing/2014/main" id="{9BF69D86-3E19-4C2E-AF44-2620240ED1DD}"/>
+              </a:ext>
+            </a:extLst>
+          </p:cNvPr>
+          <p:cNvSpPr>
+            <a:spLocks noGrp="1"/>
+          </p:cNvSpPr>
+          <p:nvPr>
+            <p:ph type="ctrTitle"/>
+          </p:nvPr>
+        </p:nvSpPr>
+        <p:spPr/>
+        <p:txBody>
+          <a:bodyPr/>
+          <a:lstStyle/>
+          <a:p>
+            <a:r>
+              <a:rPr lang="en-US" dirty="0"/>
+              <a:t>Thank you</a:t>
+            </a:r>
+          </a:p>
+        </p:txBody>
+      </p:sp>
+    </p:spTree>
+    <p:extLst>
+      <p:ext uri="{BB962C8B-B14F-4D97-AF65-F5344CB8AC3E}">
+        <p14:creationId xmlns:p14="http://schemas.microsoft.com/office/powerpoint/2010/main" val="1670518466"/>
       </p:ext>
     </p:extLst>
   </p:cSld>
@@ -3719,13 +4102,7 @@
           <a:p>
             <a:r>
               <a:rPr lang="en-US" sz="3200" dirty="0"/>
-              <a:t>Background</a:t>
-            </a:r>
-          </a:p>
-          <a:p>
-            <a:r>
-              <a:rPr lang="en-US" sz="3200" dirty="0"/>
-              <a:t>Process</a:t>
+              <a:t>Background / Process</a:t>
             </a:r>
           </a:p>
           <a:p>
@@ -3746,13 +4123,27 @@
             <a:pPr lvl="1"/>
             <a:r>
               <a:rPr lang="en-US" sz="2400" dirty="0"/>
-              <a:t>Other Stuff</a:t>
+              <a:t>Other Considerations</a:t>
             </a:r>
           </a:p>
           <a:p>
             <a:r>
               <a:rPr lang="en-US" sz="3200" dirty="0"/>
               <a:t>Application</a:t>
+            </a:r>
+          </a:p>
+          <a:p>
+            <a:pPr lvl="1"/>
+            <a:r>
+              <a:rPr lang="en-US" sz="3000" dirty="0"/>
+              <a:t>Current Setup</a:t>
+            </a:r>
+          </a:p>
+          <a:p>
+            <a:pPr lvl="1"/>
+            <a:r>
+              <a:rPr lang="en-US" sz="3000" dirty="0"/>
+              <a:t>Future Ideas</a:t>
             </a:r>
           </a:p>
           <a:p>
@@ -3839,12 +4230,26 @@
         </p:nvSpPr>
         <p:spPr/>
         <p:txBody>
-          <a:bodyPr/>
-          <a:lstStyle/>
-          <a:p>
-            <a:r>
-              <a:rPr lang="en-US" dirty="0"/>
+          <a:bodyPr>
+            <a:normAutofit/>
+          </a:bodyPr>
+          <a:lstStyle/>
+          <a:p>
+            <a:r>
+              <a:rPr lang="en-US" sz="2800" dirty="0"/>
               <a:t>To create a framework that streamlines accessibility analysis for the NYC metro area utilizing open source technologies.</a:t>
+            </a:r>
+          </a:p>
+          <a:p>
+            <a:pPr marL="0" indent="0">
+              <a:buNone/>
+            </a:pPr>
+            <a:endParaRPr lang="en-US" sz="2800" dirty="0"/>
+          </a:p>
+          <a:p>
+            <a:r>
+              <a:rPr lang="en-US" sz="2800" dirty="0"/>
+              <a:t>Goal – Making  Analysis and Research Easier and More Timely</a:t>
             </a:r>
           </a:p>
         </p:txBody>
@@ -3901,7 +4306,7 @@
           <a:lstStyle/>
           <a:p>
             <a:r>
-              <a:rPr lang="en-US" dirty="0"/>
+              <a:rPr lang="en-US" b="1" dirty="0"/>
               <a:t>Open Source vs. Proprietary Software</a:t>
             </a:r>
           </a:p>
@@ -3925,11 +4330,13 @@
         </p:nvSpPr>
         <p:spPr/>
         <p:txBody>
-          <a:bodyPr/>
-          <a:lstStyle/>
-          <a:p>
-            <a:r>
-              <a:rPr lang="en-US" dirty="0"/>
+          <a:bodyPr>
+            <a:normAutofit/>
+          </a:bodyPr>
+          <a:lstStyle/>
+          <a:p>
+            <a:r>
+              <a:rPr lang="en-US" sz="3600" dirty="0"/>
               <a:t>Benefits	</a:t>
             </a:r>
           </a:p>
@@ -3953,23 +4360,25 @@
         </p:nvSpPr>
         <p:spPr/>
         <p:txBody>
-          <a:bodyPr/>
-          <a:lstStyle/>
-          <a:p>
-            <a:r>
-              <a:rPr lang="en-US" dirty="0"/>
+          <a:bodyPr>
+            <a:normAutofit/>
+          </a:bodyPr>
+          <a:lstStyle/>
+          <a:p>
+            <a:r>
+              <a:rPr lang="en-US" sz="2800" dirty="0"/>
               <a:t>Lower financial cost</a:t>
             </a:r>
           </a:p>
           <a:p>
             <a:r>
-              <a:rPr lang="en-US" dirty="0"/>
+              <a:rPr lang="en-US" sz="2800" dirty="0"/>
               <a:t>More collaborators in academic and professional space</a:t>
             </a:r>
           </a:p>
           <a:p>
             <a:r>
-              <a:rPr lang="en-US" dirty="0"/>
+              <a:rPr lang="en-US" sz="2800" dirty="0"/>
               <a:t>Ability to “own the tool” and customize the implementation </a:t>
             </a:r>
           </a:p>
@@ -3993,11 +4402,13 @@
         </p:nvSpPr>
         <p:spPr/>
         <p:txBody>
-          <a:bodyPr/>
-          <a:lstStyle/>
-          <a:p>
-            <a:r>
-              <a:rPr lang="en-US" dirty="0"/>
+          <a:bodyPr>
+            <a:normAutofit/>
+          </a:bodyPr>
+          <a:lstStyle/>
+          <a:p>
+            <a:r>
+              <a:rPr lang="en-US" sz="3600" dirty="0"/>
               <a:t>Costs</a:t>
             </a:r>
           </a:p>
@@ -4021,17 +4432,19 @@
         </p:nvSpPr>
         <p:spPr/>
         <p:txBody>
-          <a:bodyPr/>
-          <a:lstStyle/>
-          <a:p>
-            <a:r>
-              <a:rPr lang="en-US" dirty="0"/>
+          <a:bodyPr>
+            <a:noAutofit/>
+          </a:bodyPr>
+          <a:lstStyle/>
+          <a:p>
+            <a:r>
+              <a:rPr lang="en-US" sz="2800" dirty="0"/>
               <a:t>More upfront investment of time to create and maintain framework</a:t>
             </a:r>
           </a:p>
           <a:p>
             <a:r>
-              <a:rPr lang="en-US" dirty="0"/>
+              <a:rPr lang="en-US" sz="2800" dirty="0"/>
               <a:t>Lack of access to proprietary tools or private data sources</a:t>
             </a:r>
           </a:p>
@@ -4085,12 +4498,14 @@
         </p:nvSpPr>
         <p:spPr/>
         <p:txBody>
-          <a:bodyPr/>
-          <a:lstStyle/>
-          <a:p>
-            <a:r>
-              <a:rPr lang="en-US" dirty="0"/>
-              <a:t>Which Open Source Tool to Pick?</a:t>
+          <a:bodyPr>
+            <a:normAutofit/>
+          </a:bodyPr>
+          <a:lstStyle/>
+          <a:p>
+            <a:r>
+              <a:rPr lang="en-US" sz="3600" b="1" dirty="0"/>
+              <a:t>Which Tool to Use?</a:t>
             </a:r>
           </a:p>
         </p:txBody>
@@ -4117,65 +4532,58 @@
           <a:lstStyle/>
           <a:p>
             <a:r>
-              <a:rPr lang="en-US" dirty="0"/>
+              <a:rPr lang="en-US" sz="2400" dirty="0"/>
               <a:t>Both Python and R are robust tools for analysis with a rich ecosystem of community and extensions for geospatial work. </a:t>
             </a:r>
           </a:p>
           <a:p>
-            <a:r>
-              <a:rPr lang="en-US" dirty="0"/>
+            <a:pPr marL="0" indent="0">
+              <a:buNone/>
+            </a:pPr>
+            <a:endParaRPr lang="en-US" sz="2400" dirty="0"/>
+          </a:p>
+          <a:p>
+            <a:r>
+              <a:rPr lang="en-US" sz="2400" dirty="0"/>
               <a:t>R is generally better suited for research-oriented considerations for the following reasons:</a:t>
             </a:r>
           </a:p>
           <a:p>
             <a:pPr lvl="1"/>
             <a:r>
-              <a:rPr lang="en-US" sz="2000" dirty="0"/>
+              <a:rPr lang="en-US" sz="2400" dirty="0"/>
               <a:t>Direct interface with pertinent information sources (e.g., demographic information from Census Bureau, </a:t>
             </a:r>
             <a:r>
-              <a:rPr lang="en-US" sz="2000" dirty="0" err="1"/>
+              <a:rPr lang="en-US" sz="2400" dirty="0" err="1"/>
               <a:t>OpenTripPlanner</a:t>
             </a:r>
             <a:r>
-              <a:rPr lang="en-US" sz="2000" dirty="0"/>
+              <a:rPr lang="en-US" sz="2400" dirty="0"/>
               <a:t> travel time calculations)</a:t>
             </a:r>
           </a:p>
           <a:p>
             <a:pPr lvl="1"/>
             <a:r>
-              <a:rPr lang="en-US" sz="2000" dirty="0"/>
+              <a:rPr lang="en-US" sz="2400" dirty="0"/>
               <a:t>Extensions that enable document creation or reporting dashboard without needing to learn other programming tools.</a:t>
             </a:r>
           </a:p>
           <a:p>
-            <a:endParaRPr lang="en-US" dirty="0"/>
-          </a:p>
-        </p:txBody>
-      </p:sp>
-      <p:sp>
-        <p:nvSpPr>
-          <p:cNvPr id="4" name="Text Placeholder 3">
-            <a:extLst>
-              <a:ext uri="{FF2B5EF4-FFF2-40B4-BE49-F238E27FC236}">
-                <a16:creationId xmlns:a16="http://schemas.microsoft.com/office/drawing/2014/main" id="{37E36561-3222-4739-96C4-06B335CCA78B}"/>
-              </a:ext>
-            </a:extLst>
-          </p:cNvPr>
-          <p:cNvSpPr>
-            <a:spLocks noGrp="1"/>
-          </p:cNvSpPr>
-          <p:nvPr>
-            <p:ph type="body" sz="half" idx="2"/>
-          </p:nvPr>
-        </p:nvSpPr>
-        <p:spPr/>
-        <p:txBody>
-          <a:bodyPr/>
-          <a:lstStyle/>
-          <a:p>
-            <a:endParaRPr lang="en-US"/>
+            <a:pPr lvl="1"/>
+            <a:r>
+              <a:rPr lang="en-US" sz="2400" b="1" i="1" dirty="0"/>
+              <a:t>Potentially mention </a:t>
+            </a:r>
+            <a:r>
+              <a:rPr lang="en-US" sz="2400" b="1" i="1" dirty="0" err="1"/>
+              <a:t>Rmarkdown</a:t>
+            </a:r>
+            <a:endParaRPr lang="en-US" sz="2400" b="1" i="1" dirty="0"/>
+          </a:p>
+          <a:p>
+            <a:endParaRPr lang="en-US" dirty="0"/>
           </a:p>
         </p:txBody>
       </p:sp>
@@ -4227,11 +4635,13 @@
         </p:nvSpPr>
         <p:spPr/>
         <p:txBody>
-          <a:bodyPr/>
-          <a:lstStyle/>
-          <a:p>
-            <a:r>
-              <a:rPr lang="en-US" dirty="0"/>
+          <a:bodyPr>
+            <a:normAutofit/>
+          </a:bodyPr>
+          <a:lstStyle/>
+          <a:p>
+            <a:r>
+              <a:rPr lang="en-US" sz="3600" b="1" dirty="0"/>
               <a:t>What’s in a Metric?</a:t>
             </a:r>
           </a:p>
@@ -4258,59 +4668,56 @@
           <a:bodyPr/>
           <a:lstStyle/>
           <a:p>
-            <a:r>
-              <a:rPr lang="en-US" dirty="0"/>
-              <a:t>Two main ingredients:</a:t>
+            <a:endParaRPr lang="en-US" dirty="0"/>
+          </a:p>
+          <a:p>
+            <a:r>
+              <a:rPr lang="en-US" sz="2800" dirty="0"/>
+              <a:t>Metric =&gt; A single number meant to objectively reflect a multitude of considerations about a given reality.</a:t>
+            </a:r>
+          </a:p>
+          <a:p>
+            <a:pPr marL="0" indent="0">
+              <a:buNone/>
+            </a:pPr>
+            <a:endParaRPr lang="en-US" sz="2800" dirty="0"/>
+          </a:p>
+          <a:p>
+            <a:r>
+              <a:rPr lang="en-US" sz="2800" dirty="0"/>
+              <a:t>Accessibility metrics:</a:t>
             </a:r>
           </a:p>
           <a:p>
             <a:pPr lvl="1"/>
             <a:r>
-              <a:rPr lang="en-US" dirty="0"/>
+              <a:rPr lang="en-US" sz="2800" dirty="0"/>
+              <a:t>Two main inputs:</a:t>
+            </a:r>
+          </a:p>
+          <a:p>
+            <a:pPr lvl="2"/>
+            <a:r>
+              <a:rPr lang="en-US" sz="2800" dirty="0"/>
               <a:t>Distance</a:t>
             </a:r>
           </a:p>
           <a:p>
-            <a:pPr lvl="1"/>
-            <a:r>
-              <a:rPr lang="en-US" dirty="0"/>
+            <a:pPr lvl="2"/>
+            <a:r>
+              <a:rPr lang="en-US" sz="2800" dirty="0"/>
               <a:t>Number of Resources</a:t>
             </a:r>
           </a:p>
           <a:p>
-            <a:pPr lvl="1"/>
-            <a:r>
-              <a:rPr lang="en-US" i="1" dirty="0"/>
+            <a:pPr lvl="2"/>
+            <a:r>
+              <a:rPr lang="en-US" sz="2800" i="1" dirty="0"/>
               <a:t>Population*</a:t>
             </a:r>
           </a:p>
           <a:p>
             <a:endParaRPr lang="en-US" dirty="0"/>
-          </a:p>
-        </p:txBody>
-      </p:sp>
-      <p:sp>
-        <p:nvSpPr>
-          <p:cNvPr id="4" name="Text Placeholder 3">
-            <a:extLst>
-              <a:ext uri="{FF2B5EF4-FFF2-40B4-BE49-F238E27FC236}">
-                <a16:creationId xmlns:a16="http://schemas.microsoft.com/office/drawing/2014/main" id="{37E36561-3222-4739-96C4-06B335CCA78B}"/>
-              </a:ext>
-            </a:extLst>
-          </p:cNvPr>
-          <p:cNvSpPr>
-            <a:spLocks noGrp="1"/>
-          </p:cNvSpPr>
-          <p:nvPr>
-            <p:ph type="body" sz="half" idx="2"/>
-          </p:nvPr>
-        </p:nvSpPr>
-        <p:spPr/>
-        <p:txBody>
-          <a:bodyPr/>
-          <a:lstStyle/>
-          <a:p>
-            <a:endParaRPr lang="en-US"/>
           </a:p>
         </p:txBody>
       </p:sp>
@@ -4362,12 +4769,14 @@
         </p:nvSpPr>
         <p:spPr/>
         <p:txBody>
-          <a:bodyPr/>
-          <a:lstStyle/>
-          <a:p>
-            <a:r>
-              <a:rPr lang="en-US" dirty="0"/>
-              <a:t>Going the Distance</a:t>
+          <a:bodyPr>
+            <a:normAutofit/>
+          </a:bodyPr>
+          <a:lstStyle/>
+          <a:p>
+            <a:r>
+              <a:rPr lang="en-US" sz="3600" b="1" dirty="0"/>
+              <a:t>Weighted Access Index </a:t>
             </a:r>
           </a:p>
         </p:txBody>
@@ -4390,67 +4799,61 @@
         </p:nvSpPr>
         <p:spPr/>
         <p:txBody>
-          <a:bodyPr/>
-          <a:lstStyle/>
-          <a:p>
-            <a:r>
-              <a:rPr lang="en-US" dirty="0"/>
-              <a:t>Measuring Travel Time distance </a:t>
+          <a:bodyPr>
+            <a:normAutofit/>
+          </a:bodyPr>
+          <a:lstStyle/>
+          <a:p>
+            <a:endParaRPr lang="en-US" dirty="0"/>
+          </a:p>
+          <a:p>
+            <a:r>
+              <a:rPr lang="en-US" sz="2400" dirty="0"/>
+              <a:t>Sum of Number of Resources / Travel Time</a:t>
+            </a:r>
+          </a:p>
+          <a:p>
+            <a:r>
+              <a:rPr lang="en-US" sz="2400" dirty="0"/>
+              <a:t>Example:</a:t>
             </a:r>
           </a:p>
           <a:p>
             <a:pPr lvl="1"/>
             <a:r>
-              <a:rPr lang="en-US" i="1" dirty="0"/>
-              <a:t>Trade-offs with </a:t>
-            </a:r>
-            <a:r>
-              <a:rPr lang="en-US" i="1" dirty="0" err="1"/>
-              <a:t>OpenTripPlanner</a:t>
-            </a:r>
-            <a:endParaRPr lang="en-US" i="1" dirty="0"/>
+              <a:rPr lang="en-US" sz="2400" dirty="0"/>
+              <a:t>A Census Tract has 1 hospital in its “home” census area, 2 hospitals that are in another Census Tract that is 20 minutes away and 10 that are in a Census Tract that is an hour away.</a:t>
+            </a:r>
           </a:p>
           <a:p>
             <a:pPr lvl="1"/>
             <a:r>
-              <a:rPr lang="en-US" i="1" dirty="0"/>
-              <a:t>Utilization of Pre-computed amounts from University of Chicago</a:t>
-            </a:r>
-          </a:p>
-          <a:p>
-            <a:endParaRPr lang="en-US" dirty="0"/>
-          </a:p>
-        </p:txBody>
-      </p:sp>
-      <p:sp>
-        <p:nvSpPr>
-          <p:cNvPr id="4" name="Text Placeholder 3">
-            <a:extLst>
-              <a:ext uri="{FF2B5EF4-FFF2-40B4-BE49-F238E27FC236}">
-                <a16:creationId xmlns:a16="http://schemas.microsoft.com/office/drawing/2014/main" id="{37E36561-3222-4739-96C4-06B335CCA78B}"/>
-              </a:ext>
-            </a:extLst>
-          </p:cNvPr>
-          <p:cNvSpPr>
-            <a:spLocks noGrp="1"/>
-          </p:cNvSpPr>
-          <p:nvPr>
-            <p:ph type="body" sz="half" idx="2"/>
-          </p:nvPr>
-        </p:nvSpPr>
-        <p:spPr/>
-        <p:txBody>
-          <a:bodyPr/>
-          <a:lstStyle/>
-          <a:p>
-            <a:endParaRPr lang="en-US"/>
+              <a:rPr lang="en-US" sz="2400" dirty="0"/>
+              <a:t>Weighted Access Index for hospitals in this Census Tract would be:</a:t>
+            </a:r>
+          </a:p>
+          <a:p>
+            <a:pPr lvl="2"/>
+            <a:r>
+              <a:rPr lang="en-US" sz="2400" dirty="0"/>
+              <a:t>1 hospital / 1 minute (nominal travel time) + 2 / 20 minutes + 10 / 60 minutes =&gt; 1 + 0.10 + 0.16 = 1.16. </a:t>
+            </a:r>
+          </a:p>
+          <a:p>
+            <a:pPr marL="0" indent="0">
+              <a:buNone/>
+            </a:pPr>
+            <a:r>
+              <a:rPr lang="en-US" sz="2800" dirty="0"/>
+              <a:t> </a:t>
+            </a:r>
           </a:p>
         </p:txBody>
       </p:sp>
     </p:spTree>
     <p:extLst>
       <p:ext uri="{BB962C8B-B14F-4D97-AF65-F5344CB8AC3E}">
-        <p14:creationId xmlns:p14="http://schemas.microsoft.com/office/powerpoint/2010/main" val="3074340298"/>
+        <p14:creationId xmlns:p14="http://schemas.microsoft.com/office/powerpoint/2010/main" val="1705735900"/>
       </p:ext>
     </p:extLst>
   </p:cSld>
@@ -4495,13 +4898,20 @@
         </p:nvSpPr>
         <p:spPr/>
         <p:txBody>
-          <a:bodyPr/>
-          <a:lstStyle/>
-          <a:p>
-            <a:r>
-              <a:rPr lang="en-US" dirty="0"/>
-              <a:t>Application</a:t>
-            </a:r>
+          <a:bodyPr>
+            <a:normAutofit/>
+          </a:bodyPr>
+          <a:lstStyle/>
+          <a:p>
+            <a:r>
+              <a:rPr lang="en-US" sz="3600" b="1" dirty="0"/>
+              <a:t>Going the Distance </a:t>
+            </a:r>
+            <a:r>
+              <a:rPr lang="en-US" sz="3600" dirty="0"/>
+              <a:t>– Measuring Travel Time</a:t>
+            </a:r>
+            <a:endParaRPr lang="en-US" sz="3600" b="1" dirty="0"/>
           </a:p>
         </p:txBody>
       </p:sp>
@@ -4527,64 +4937,75 @@
           <a:lstStyle/>
           <a:p>
             <a:r>
-              <a:rPr lang="en-US" dirty="0"/>
-              <a:t>Allow uploading of new community assets listings</a:t>
-            </a:r>
-          </a:p>
-          <a:p>
-            <a:r>
-              <a:rPr lang="en-US" dirty="0">
-                <a:highlight>
-                  <a:srgbClr val="FFFF00"/>
-                </a:highlight>
-              </a:rPr>
-              <a:t>Supports analysis of </a:t>
-            </a:r>
-          </a:p>
-          <a:p>
-            <a:r>
-              <a:rPr lang="en-US" i="1" dirty="0">
-                <a:highlight>
-                  <a:srgbClr val="FFFF00"/>
-                </a:highlight>
-              </a:rPr>
-              <a:t>Utilization of Pre-computed amounts from University of Chicago</a:t>
-            </a:r>
-          </a:p>
-          <a:p>
-            <a:endParaRPr lang="en-US" dirty="0"/>
-          </a:p>
-        </p:txBody>
-      </p:sp>
-      <p:sp>
-        <p:nvSpPr>
-          <p:cNvPr id="4" name="Text Placeholder 3">
-            <a:extLst>
-              <a:ext uri="{FF2B5EF4-FFF2-40B4-BE49-F238E27FC236}">
-                <a16:creationId xmlns:a16="http://schemas.microsoft.com/office/drawing/2014/main" id="{37E36561-3222-4739-96C4-06B335CCA78B}"/>
-              </a:ext>
-            </a:extLst>
-          </p:cNvPr>
-          <p:cNvSpPr>
-            <a:spLocks noGrp="1"/>
-          </p:cNvSpPr>
-          <p:nvPr>
-            <p:ph type="body" sz="half" idx="2"/>
-          </p:nvPr>
-        </p:nvSpPr>
-        <p:spPr/>
-        <p:txBody>
-          <a:bodyPr/>
-          <a:lstStyle/>
-          <a:p>
-            <a:endParaRPr lang="en-US"/>
+              <a:rPr lang="en-US" sz="2400" dirty="0"/>
+              <a:t>Two Approaches:</a:t>
+            </a:r>
+          </a:p>
+          <a:p>
+            <a:pPr lvl="1"/>
+            <a:r>
+              <a:rPr lang="en-US" sz="2400" dirty="0"/>
+              <a:t>Point-to-Point</a:t>
+            </a:r>
+          </a:p>
+          <a:p>
+            <a:pPr lvl="1"/>
+            <a:r>
+              <a:rPr lang="en-US" sz="2400" dirty="0"/>
+              <a:t>Area-to-Area</a:t>
+            </a:r>
+          </a:p>
+          <a:p>
+            <a:pPr marL="502920" lvl="1" indent="0">
+              <a:buNone/>
+            </a:pPr>
+            <a:endParaRPr lang="en-US" dirty="0"/>
+          </a:p>
+          <a:p>
+            <a:r>
+              <a:rPr lang="en-US" sz="2400" dirty="0"/>
+              <a:t>Two Methods to Calculate</a:t>
+            </a:r>
+          </a:p>
+          <a:p>
+            <a:pPr lvl="1"/>
+            <a:r>
+              <a:rPr lang="en-US" sz="2400" dirty="0"/>
+              <a:t>Directly calculate with a tool such as </a:t>
+            </a:r>
+            <a:r>
+              <a:rPr lang="en-US" sz="2400" dirty="0" err="1"/>
+              <a:t>OpenTripPlanner</a:t>
+            </a:r>
+            <a:r>
+              <a:rPr lang="en-US" sz="2400" dirty="0"/>
+              <a:t> or </a:t>
+            </a:r>
+            <a:r>
+              <a:rPr lang="en-US" sz="2400" dirty="0" err="1"/>
+              <a:t>GoogleMaps</a:t>
+            </a:r>
+            <a:r>
+              <a:rPr lang="en-US" sz="2400" dirty="0"/>
+              <a:t> API</a:t>
+            </a:r>
+          </a:p>
+          <a:p>
+            <a:pPr lvl="1"/>
+            <a:r>
+              <a:rPr lang="en-US" sz="2400" dirty="0"/>
+              <a:t>Pre-computed travel times from University of Chicago*(only works with Area-to-Area)</a:t>
+            </a:r>
+          </a:p>
+          <a:p>
+            <a:endParaRPr lang="en-US" dirty="0"/>
           </a:p>
         </p:txBody>
       </p:sp>
     </p:spTree>
     <p:extLst>
       <p:ext uri="{BB962C8B-B14F-4D97-AF65-F5344CB8AC3E}">
-        <p14:creationId xmlns:p14="http://schemas.microsoft.com/office/powerpoint/2010/main" val="236543114"/>
+        <p14:creationId xmlns:p14="http://schemas.microsoft.com/office/powerpoint/2010/main" val="3074340298"/>
       </p:ext>
     </p:extLst>
   </p:cSld>
@@ -4616,7 +5037,7 @@
           <p:cNvPr id="2" name="Title 1">
             <a:extLst>
               <a:ext uri="{FF2B5EF4-FFF2-40B4-BE49-F238E27FC236}">
-                <a16:creationId xmlns:a16="http://schemas.microsoft.com/office/drawing/2014/main" id="{99D19D63-76FE-4AA3-9EB7-9F289AAC671C}"/>
+                <a16:creationId xmlns:a16="http://schemas.microsoft.com/office/drawing/2014/main" id="{D7CB8EAB-C9FE-476E-A057-9858F7A35A7B}"/>
               </a:ext>
             </a:extLst>
           </p:cNvPr>
@@ -4629,12 +5050,14 @@
         </p:nvSpPr>
         <p:spPr/>
         <p:txBody>
-          <a:bodyPr/>
-          <a:lstStyle/>
-          <a:p>
-            <a:r>
-              <a:rPr lang="en-US" dirty="0"/>
-              <a:t>Future Considerations</a:t>
+          <a:bodyPr>
+            <a:normAutofit/>
+          </a:bodyPr>
+          <a:lstStyle/>
+          <a:p>
+            <a:r>
+              <a:rPr lang="en-US" sz="3600" b="1" dirty="0"/>
+              <a:t>Application</a:t>
             </a:r>
           </a:p>
         </p:txBody>
@@ -4644,7 +5067,7 @@
           <p:cNvPr id="3" name="Content Placeholder 2">
             <a:extLst>
               <a:ext uri="{FF2B5EF4-FFF2-40B4-BE49-F238E27FC236}">
-                <a16:creationId xmlns:a16="http://schemas.microsoft.com/office/drawing/2014/main" id="{6A8089F9-F89C-4926-A5C7-6909BD500EFC}"/>
+                <a16:creationId xmlns:a16="http://schemas.microsoft.com/office/drawing/2014/main" id="{2F186D55-0609-4F0A-958C-96015A967471}"/>
               </a:ext>
             </a:extLst>
           </p:cNvPr>
@@ -4652,75 +5075,71 @@
             <a:spLocks noGrp="1"/>
           </p:cNvSpPr>
           <p:nvPr>
-            <p:ph sz="half" idx="1"/>
-          </p:nvPr>
-        </p:nvSpPr>
-        <p:spPr/>
-        <p:txBody>
-          <a:bodyPr/>
-          <a:lstStyle/>
-          <a:p>
-            <a:r>
-              <a:rPr lang="en-US" dirty="0"/>
-              <a:t>Incorporate weight options</a:t>
+            <p:ph idx="1"/>
+          </p:nvPr>
+        </p:nvSpPr>
+        <p:spPr/>
+        <p:txBody>
+          <a:bodyPr/>
+          <a:lstStyle/>
+          <a:p>
+            <a:pPr marL="0" indent="0">
+              <a:buNone/>
+            </a:pPr>
+            <a:endParaRPr lang="en-US" sz="2400" dirty="0"/>
+          </a:p>
+          <a:p>
+            <a:r>
+              <a:rPr lang="en-US" sz="2400" dirty="0"/>
+              <a:t>Current Structure</a:t>
             </a:r>
           </a:p>
           <a:p>
             <a:pPr lvl="1"/>
             <a:r>
-              <a:rPr lang="en-US" dirty="0"/>
-              <a:t>Weights between categories</a:t>
+              <a:rPr lang="en-US" sz="2400" dirty="0"/>
+              <a:t>Evaluate a set of communal resource</a:t>
             </a:r>
           </a:p>
           <a:p>
             <a:pPr lvl="1"/>
             <a:r>
-              <a:rPr lang="en-US" dirty="0"/>
-              <a:t>More rigorous analysis setup (e.g., the data is together – what more can we do)?</a:t>
+              <a:rPr lang="en-US" sz="2400" dirty="0"/>
+              <a:t>Scope is focused on PUMAs (Public Use Microdata Areas)</a:t>
+            </a:r>
+          </a:p>
+          <a:p>
+            <a:pPr lvl="2"/>
+            <a:r>
+              <a:rPr lang="en-US" sz="2000" dirty="0"/>
+              <a:t>Generally relate one-to-one with Community District with a few exceptions.</a:t>
             </a:r>
           </a:p>
           <a:p>
             <a:pPr lvl="1"/>
             <a:r>
-              <a:rPr lang="en-US" dirty="0"/>
-              <a:t>Allow for uploading of resources within </a:t>
-            </a:r>
-            <a:r>
-              <a:rPr lang="en-US"/>
-              <a:t>the application</a:t>
-            </a:r>
-          </a:p>
-        </p:txBody>
-      </p:sp>
-      <p:sp>
-        <p:nvSpPr>
-          <p:cNvPr id="4" name="Content Placeholder 3">
-            <a:extLst>
-              <a:ext uri="{FF2B5EF4-FFF2-40B4-BE49-F238E27FC236}">
-                <a16:creationId xmlns:a16="http://schemas.microsoft.com/office/drawing/2014/main" id="{3BE4A983-806A-4BAE-AB51-51ADCA13F7B4}"/>
-              </a:ext>
-            </a:extLst>
-          </p:cNvPr>
-          <p:cNvSpPr>
-            <a:spLocks noGrp="1"/>
-          </p:cNvSpPr>
-          <p:nvPr>
-            <p:ph sz="half" idx="2"/>
-          </p:nvPr>
-        </p:nvSpPr>
-        <p:spPr/>
-        <p:txBody>
-          <a:bodyPr/>
-          <a:lstStyle/>
-          <a:p>
-            <a:endParaRPr lang="en-US"/>
+              <a:rPr lang="en-US" sz="2400" dirty="0"/>
+              <a:t>Pre-computed mass transit times</a:t>
+            </a:r>
+          </a:p>
+          <a:p>
+            <a:r>
+              <a:rPr lang="en-US" sz="2600" dirty="0"/>
+              <a:t>Walkthrough</a:t>
+            </a:r>
+          </a:p>
+          <a:p>
+            <a:pPr marL="0" indent="0">
+              <a:buNone/>
+            </a:pPr>
+            <a:endParaRPr lang="en-US" dirty="0"/>
           </a:p>
         </p:txBody>
       </p:sp>
     </p:spTree>
     <p:extLst>
       <p:ext uri="{BB962C8B-B14F-4D97-AF65-F5344CB8AC3E}">
-        <p14:creationId xmlns:p14="http://schemas.microsoft.com/office/powerpoint/2010/main" val="3165296934"/>
+        <p14:creationId xmlns:p14="http://schemas.microsoft.com/office/powerpoint/2010/main" val="236543114"/>
       </p:ext>
     </p:extLst>
   </p:cSld>

--- a/Better Together CCC NYC.pptx
+++ b/Better Together CCC NYC.pptx
@@ -141,7 +141,7 @@
 <file path=ppt/revisionInfo.xml><?xml version="1.0" encoding="utf-8"?>
 <p1510:revInfo xmlns:a="http://schemas.openxmlformats.org/drawingml/2006/main" xmlns:r="http://schemas.openxmlformats.org/officeDocument/2006/relationships" xmlns:p1510="http://schemas.microsoft.com/office/powerpoint/2015/10/main">
   <p1510:revLst>
-    <p1510:client id="{ED1BF63C-F5A7-4498-8573-2BF7C6162C2B}" v="76" dt="2020-03-27T08:42:41.457"/>
+    <p1510:client id="{ED1BF63C-F5A7-4498-8573-2BF7C6162C2B}" v="104" dt="2020-03-27T13:45:25.613"/>
   </p1510:revLst>
 </p1510:revInfo>
 </file>
@@ -151,7 +151,7 @@
   <pc:docChgLst>
     <pc:chgData name="Jason Wattier" userId="de6cb9e11468ad32" providerId="LiveId" clId="{ED1BF63C-F5A7-4498-8573-2BF7C6162C2B}"/>
     <pc:docChg chg="undo custSel mod addSld delSld modSld">
-      <pc:chgData name="Jason Wattier" userId="de6cb9e11468ad32" providerId="LiveId" clId="{ED1BF63C-F5A7-4498-8573-2BF7C6162C2B}" dt="2020-03-27T08:42:49.525" v="3330" actId="26606"/>
+      <pc:chgData name="Jason Wattier" userId="de6cb9e11468ad32" providerId="LiveId" clId="{ED1BF63C-F5A7-4498-8573-2BF7C6162C2B}" dt="2020-03-27T13:45:25.613" v="3358" actId="313"/>
       <pc:docMkLst>
         <pc:docMk/>
       </pc:docMkLst>
@@ -327,7 +327,7 @@
         </pc:spChg>
       </pc:sldChg>
       <pc:sldChg chg="addSp delSp modSp mod setBg">
-        <pc:chgData name="Jason Wattier" userId="de6cb9e11468ad32" providerId="LiveId" clId="{ED1BF63C-F5A7-4498-8573-2BF7C6162C2B}" dt="2020-03-27T08:29:05.579" v="3250" actId="255"/>
+        <pc:chgData name="Jason Wattier" userId="de6cb9e11468ad32" providerId="LiveId" clId="{ED1BF63C-F5A7-4498-8573-2BF7C6162C2B}" dt="2020-03-27T13:45:15.132" v="3356" actId="478"/>
         <pc:sldMkLst>
           <pc:docMk/>
           <pc:sldMk cId="669646373" sldId="262"/>
@@ -477,7 +477,7 @@
           </ac:graphicFrameMkLst>
         </pc:graphicFrameChg>
         <pc:graphicFrameChg chg="add mod">
-          <ac:chgData name="Jason Wattier" userId="de6cb9e11468ad32" providerId="LiveId" clId="{ED1BF63C-F5A7-4498-8573-2BF7C6162C2B}" dt="2020-03-27T08:29:05.579" v="3250" actId="255"/>
+          <ac:chgData name="Jason Wattier" userId="de6cb9e11468ad32" providerId="LiveId" clId="{ED1BF63C-F5A7-4498-8573-2BF7C6162C2B}" dt="2020-03-27T13:45:15.132" v="3356" actId="478"/>
           <ac:graphicFrameMkLst>
             <pc:docMk/>
             <pc:sldMk cId="669646373" sldId="262"/>
@@ -557,7 +557,7 @@
         </pc:graphicFrameChg>
       </pc:sldChg>
       <pc:sldChg chg="addSp delSp modSp add mod setBg">
-        <pc:chgData name="Jason Wattier" userId="de6cb9e11468ad32" providerId="LiveId" clId="{ED1BF63C-F5A7-4498-8573-2BF7C6162C2B}" dt="2020-03-27T08:30:57.996" v="3268" actId="26606"/>
+        <pc:chgData name="Jason Wattier" userId="de6cb9e11468ad32" providerId="LiveId" clId="{ED1BF63C-F5A7-4498-8573-2BF7C6162C2B}" dt="2020-03-27T13:45:25.613" v="3358" actId="313"/>
         <pc:sldMkLst>
           <pc:docMk/>
           <pc:sldMk cId="3074340298" sldId="264"/>
@@ -602,8 +602,8 @@
             <ac:spMk id="12" creationId="{4504775B-2093-4CA8-BED2-AB974310D020}"/>
           </ac:spMkLst>
         </pc:spChg>
-        <pc:graphicFrameChg chg="add">
-          <ac:chgData name="Jason Wattier" userId="de6cb9e11468ad32" providerId="LiveId" clId="{ED1BF63C-F5A7-4498-8573-2BF7C6162C2B}" dt="2020-03-27T08:30:57.996" v="3268" actId="26606"/>
+        <pc:graphicFrameChg chg="add mod">
+          <ac:chgData name="Jason Wattier" userId="de6cb9e11468ad32" providerId="LiveId" clId="{ED1BF63C-F5A7-4498-8573-2BF7C6162C2B}" dt="2020-03-27T13:45:25.613" v="3358" actId="313"/>
           <ac:graphicFrameMkLst>
             <pc:docMk/>
             <pc:sldMk cId="3074340298" sldId="264"/>
@@ -1141,7 +1141,7 @@
         </pc:picChg>
       </pc:sldChg>
       <pc:sldChg chg="addSp delSp modSp add mod setBg">
-        <pc:chgData name="Jason Wattier" userId="de6cb9e11468ad32" providerId="LiveId" clId="{ED1BF63C-F5A7-4498-8573-2BF7C6162C2B}" dt="2020-03-27T08:38:38.964" v="3325" actId="20577"/>
+        <pc:chgData name="Jason Wattier" userId="de6cb9e11468ad32" providerId="LiveId" clId="{ED1BF63C-F5A7-4498-8573-2BF7C6162C2B}" dt="2020-03-27T13:45:22.720" v="3357" actId="2"/>
         <pc:sldMkLst>
           <pc:docMk/>
           <pc:sldMk cId="1917910038" sldId="269"/>
@@ -1163,7 +1163,7 @@
           </ac:spMkLst>
         </pc:spChg>
         <pc:spChg chg="add mod">
-          <ac:chgData name="Jason Wattier" userId="de6cb9e11468ad32" providerId="LiveId" clId="{ED1BF63C-F5A7-4498-8573-2BF7C6162C2B}" dt="2020-03-27T08:38:38.964" v="3325" actId="20577"/>
+          <ac:chgData name="Jason Wattier" userId="de6cb9e11468ad32" providerId="LiveId" clId="{ED1BF63C-F5A7-4498-8573-2BF7C6162C2B}" dt="2020-03-27T13:45:22.720" v="3357" actId="2"/>
           <ac:spMkLst>
             <pc:docMk/>
             <pc:sldMk cId="1917910038" sldId="269"/>
@@ -7531,7 +7531,7 @@
         <a:lstStyle/>
         <a:p>
           <a:r>
-            <a:rPr lang="en-US"/>
+            <a:rPr lang="en-US" dirty="0"/>
             <a:t>Objective</a:t>
           </a:r>
         </a:p>
@@ -7567,7 +7567,7 @@
         <a:lstStyle/>
         <a:p>
           <a:r>
-            <a:rPr lang="en-US"/>
+            <a:rPr lang="en-US" dirty="0"/>
             <a:t>Background / Process</a:t>
           </a:r>
         </a:p>
@@ -7603,7 +7603,7 @@
         <a:lstStyle/>
         <a:p>
           <a:r>
-            <a:rPr lang="en-US"/>
+            <a:rPr lang="en-US" dirty="0"/>
             <a:t>Tools and Technology</a:t>
           </a:r>
         </a:p>
@@ -7639,7 +7639,7 @@
         <a:lstStyle/>
         <a:p>
           <a:r>
-            <a:rPr lang="en-US"/>
+            <a:rPr lang="en-US" dirty="0"/>
             <a:t>What’s in a Metric?</a:t>
           </a:r>
         </a:p>
@@ -7675,7 +7675,7 @@
         <a:lstStyle/>
         <a:p>
           <a:r>
-            <a:rPr lang="en-US"/>
+            <a:rPr lang="en-US" dirty="0"/>
             <a:t>Other Considerations</a:t>
           </a:r>
         </a:p>
@@ -7711,7 +7711,7 @@
         <a:lstStyle/>
         <a:p>
           <a:r>
-            <a:rPr lang="en-US"/>
+            <a:rPr lang="en-US" dirty="0"/>
             <a:t>Application</a:t>
           </a:r>
         </a:p>
@@ -7747,7 +7747,7 @@
         <a:lstStyle/>
         <a:p>
           <a:r>
-            <a:rPr lang="en-US"/>
+            <a:rPr lang="en-US" dirty="0"/>
             <a:t>Current Setup</a:t>
           </a:r>
         </a:p>
@@ -7783,7 +7783,7 @@
         <a:lstStyle/>
         <a:p>
           <a:r>
-            <a:rPr lang="en-US"/>
+            <a:rPr lang="en-US" dirty="0"/>
             <a:t>Future Ideas</a:t>
           </a:r>
         </a:p>
@@ -7819,7 +7819,7 @@
         <a:lstStyle/>
         <a:p>
           <a:r>
-            <a:rPr lang="en-US"/>
+            <a:rPr lang="en-US" dirty="0"/>
             <a:t>Closing Remarks</a:t>
           </a:r>
         </a:p>
@@ -8482,15 +8482,7 @@
         <a:p>
           <a:r>
             <a:rPr lang="en-US" dirty="0"/>
-            <a:t>Direct interface with pertinent information sources (e.g., demographic information from Census Bureau, </a:t>
-          </a:r>
-          <a:r>
-            <a:rPr lang="en-US" dirty="0" err="1"/>
-            <a:t>OpenTripPlanner</a:t>
-          </a:r>
-          <a:r>
-            <a:rPr lang="en-US" dirty="0"/>
-            <a:t> travel time calculations)</a:t>
+            <a:t>Direct interface with pertinent information sources (e.g., demographic information from Census Bureau, OpenTripPlanner travel time calculations)</a:t>
           </a:r>
         </a:p>
       </dgm:t>
@@ -8502,7 +8494,7 @@
         <a:bodyPr/>
         <a:lstStyle/>
         <a:p>
-          <a:endParaRPr lang="en-US"/>
+          <a:endParaRPr lang="en-US" dirty="0"/>
         </a:p>
       </dgm:t>
     </dgm:pt>
@@ -8525,7 +8517,7 @@
         <a:lstStyle/>
         <a:p>
           <a:r>
-            <a:rPr lang="en-US"/>
+            <a:rPr lang="en-US" dirty="0"/>
             <a:t>Extensions that enable document creation or reporting dashboard without needing to learn other programming tools.</a:t>
           </a:r>
         </a:p>
@@ -8538,48 +8530,11 @@
         <a:bodyPr/>
         <a:lstStyle/>
         <a:p>
-          <a:endParaRPr lang="en-US"/>
+          <a:endParaRPr lang="en-US" dirty="0"/>
         </a:p>
       </dgm:t>
     </dgm:pt>
     <dgm:pt modelId="{27462736-69BC-4C22-91BA-2F7649431FA8}" type="sibTrans" cxnId="{5C70B523-9463-495D-9C07-44A29FD2D58D}">
-      <dgm:prSet/>
-      <dgm:spPr/>
-      <dgm:t>
-        <a:bodyPr/>
-        <a:lstStyle/>
-        <a:p>
-          <a:endParaRPr lang="en-US"/>
-        </a:p>
-      </dgm:t>
-    </dgm:pt>
-    <dgm:pt modelId="{1726A6E2-793A-4C94-9B92-BBDB332751CF}">
-      <dgm:prSet/>
-      <dgm:spPr/>
-      <dgm:t>
-        <a:bodyPr/>
-        <a:lstStyle/>
-        <a:p>
-          <a:r>
-            <a:rPr lang="en-US" b="1" i="1"/>
-            <a:t>Potentially mention Rmarkdown</a:t>
-          </a:r>
-          <a:endParaRPr lang="en-US"/>
-        </a:p>
-      </dgm:t>
-    </dgm:pt>
-    <dgm:pt modelId="{F1D61B3D-9D1E-4FE3-B1D5-E2F233B76151}" type="parTrans" cxnId="{7DCDF5AA-DFE3-4E0A-9588-690BB8714D3F}">
-      <dgm:prSet/>
-      <dgm:spPr/>
-      <dgm:t>
-        <a:bodyPr/>
-        <a:lstStyle/>
-        <a:p>
-          <a:endParaRPr lang="en-US"/>
-        </a:p>
-      </dgm:t>
-    </dgm:pt>
-    <dgm:pt modelId="{9178E373-DC9B-4688-9CF1-D514C83AA822}" type="sibTrans" cxnId="{7DCDF5AA-DFE3-4E0A-9588-690BB8714D3F}">
       <dgm:prSet/>
       <dgm:spPr/>
       <dgm:t>
@@ -8635,11 +8590,11 @@
       <dgm:spPr/>
     </dgm:pt>
     <dgm:pt modelId="{4F13DE6A-9B1F-4A2A-85E8-409AA3621DF8}" type="pres">
-      <dgm:prSet presAssocID="{5370D54F-87D4-4AC3-A086-A99497F54FE8}" presName="conn2-1" presStyleLbl="parChTrans1D2" presStyleIdx="0" presStyleCnt="3"/>
+      <dgm:prSet presAssocID="{5370D54F-87D4-4AC3-A086-A99497F54FE8}" presName="conn2-1" presStyleLbl="parChTrans1D2" presStyleIdx="0" presStyleCnt="2"/>
       <dgm:spPr/>
     </dgm:pt>
     <dgm:pt modelId="{2DB4C7CF-2F10-4E97-82F1-04DA0A0FA558}" type="pres">
-      <dgm:prSet presAssocID="{5370D54F-87D4-4AC3-A086-A99497F54FE8}" presName="connTx" presStyleLbl="parChTrans1D2" presStyleIdx="0" presStyleCnt="3"/>
+      <dgm:prSet presAssocID="{5370D54F-87D4-4AC3-A086-A99497F54FE8}" presName="connTx" presStyleLbl="parChTrans1D2" presStyleIdx="0" presStyleCnt="2"/>
       <dgm:spPr/>
     </dgm:pt>
     <dgm:pt modelId="{6E06FE05-C41A-4A13-B753-FDFDC16FF64F}" type="pres">
@@ -8647,7 +8602,7 @@
       <dgm:spPr/>
     </dgm:pt>
     <dgm:pt modelId="{1AE8973D-0DBF-4428-8F44-086A53805AF5}" type="pres">
-      <dgm:prSet presAssocID="{1621CAAD-CC2C-4A54-9014-AC50A392259F}" presName="LevelTwoTextNode" presStyleLbl="node2" presStyleIdx="0" presStyleCnt="3">
+      <dgm:prSet presAssocID="{1621CAAD-CC2C-4A54-9014-AC50A392259F}" presName="LevelTwoTextNode" presStyleLbl="node2" presStyleIdx="0" presStyleCnt="2">
         <dgm:presLayoutVars>
           <dgm:chPref val="3"/>
         </dgm:presLayoutVars>
@@ -8659,11 +8614,11 @@
       <dgm:spPr/>
     </dgm:pt>
     <dgm:pt modelId="{50C01282-8CBF-48CA-A1D2-D36067446B0F}" type="pres">
-      <dgm:prSet presAssocID="{1FFF682E-0393-48A7-A2BD-391486A935F9}" presName="conn2-1" presStyleLbl="parChTrans1D2" presStyleIdx="1" presStyleCnt="3"/>
+      <dgm:prSet presAssocID="{1FFF682E-0393-48A7-A2BD-391486A935F9}" presName="conn2-1" presStyleLbl="parChTrans1D2" presStyleIdx="1" presStyleCnt="2"/>
       <dgm:spPr/>
     </dgm:pt>
     <dgm:pt modelId="{0A658456-205D-408A-95C5-D737902BBA89}" type="pres">
-      <dgm:prSet presAssocID="{1FFF682E-0393-48A7-A2BD-391486A935F9}" presName="connTx" presStyleLbl="parChTrans1D2" presStyleIdx="1" presStyleCnt="3"/>
+      <dgm:prSet presAssocID="{1FFF682E-0393-48A7-A2BD-391486A935F9}" presName="connTx" presStyleLbl="parChTrans1D2" presStyleIdx="1" presStyleCnt="2"/>
       <dgm:spPr/>
     </dgm:pt>
     <dgm:pt modelId="{4C613991-4FBB-4902-BA0C-FCC16C46D3E1}" type="pres">
@@ -8671,7 +8626,7 @@
       <dgm:spPr/>
     </dgm:pt>
     <dgm:pt modelId="{2B9DFF1D-16C8-4142-8A24-059B2EB94A5C}" type="pres">
-      <dgm:prSet presAssocID="{6E5B5EFE-A297-46AB-8D5E-D3E9E5F4D38A}" presName="LevelTwoTextNode" presStyleLbl="node2" presStyleIdx="1" presStyleCnt="3">
+      <dgm:prSet presAssocID="{6E5B5EFE-A297-46AB-8D5E-D3E9E5F4D38A}" presName="LevelTwoTextNode" presStyleLbl="node2" presStyleIdx="1" presStyleCnt="2">
         <dgm:presLayoutVars>
           <dgm:chPref val="3"/>
         </dgm:presLayoutVars>
@@ -8682,46 +8637,18 @@
       <dgm:prSet presAssocID="{6E5B5EFE-A297-46AB-8D5E-D3E9E5F4D38A}" presName="level3hierChild" presStyleCnt="0"/>
       <dgm:spPr/>
     </dgm:pt>
-    <dgm:pt modelId="{A16E4CD3-79FA-4C2A-BC8D-799AB44680CA}" type="pres">
-      <dgm:prSet presAssocID="{F1D61B3D-9D1E-4FE3-B1D5-E2F233B76151}" presName="conn2-1" presStyleLbl="parChTrans1D2" presStyleIdx="2" presStyleCnt="3"/>
-      <dgm:spPr/>
-    </dgm:pt>
-    <dgm:pt modelId="{E5E6228A-DC46-432E-B944-DB58F2A9E01B}" type="pres">
-      <dgm:prSet presAssocID="{F1D61B3D-9D1E-4FE3-B1D5-E2F233B76151}" presName="connTx" presStyleLbl="parChTrans1D2" presStyleIdx="2" presStyleCnt="3"/>
-      <dgm:spPr/>
-    </dgm:pt>
-    <dgm:pt modelId="{06981AB9-FB26-429B-8ED1-C487F82CFFB7}" type="pres">
-      <dgm:prSet presAssocID="{1726A6E2-793A-4C94-9B92-BBDB332751CF}" presName="root2" presStyleCnt="0"/>
-      <dgm:spPr/>
-    </dgm:pt>
-    <dgm:pt modelId="{6CBF519E-9853-40C3-8C28-79CD85D63198}" type="pres">
-      <dgm:prSet presAssocID="{1726A6E2-793A-4C94-9B92-BBDB332751CF}" presName="LevelTwoTextNode" presStyleLbl="node2" presStyleIdx="2" presStyleCnt="3">
-        <dgm:presLayoutVars>
-          <dgm:chPref val="3"/>
-        </dgm:presLayoutVars>
-      </dgm:prSet>
-      <dgm:spPr/>
-    </dgm:pt>
-    <dgm:pt modelId="{F47E3B55-1ADC-4D6C-ABA3-B6CCA2D2B152}" type="pres">
-      <dgm:prSet presAssocID="{1726A6E2-793A-4C94-9B92-BBDB332751CF}" presName="level3hierChild" presStyleCnt="0"/>
-      <dgm:spPr/>
-    </dgm:pt>
   </dgm:ptLst>
   <dgm:cxnLst>
     <dgm:cxn modelId="{5C70B523-9463-495D-9C07-44A29FD2D58D}" srcId="{EE0772B0-7EE2-413F-A047-E0575C08F058}" destId="{6E5B5EFE-A297-46AB-8D5E-D3E9E5F4D38A}" srcOrd="1" destOrd="0" parTransId="{1FFF682E-0393-48A7-A2BD-391486A935F9}" sibTransId="{27462736-69BC-4C22-91BA-2F7649431FA8}"/>
     <dgm:cxn modelId="{1410B725-4007-47AD-BDE0-0BB07A01D5A5}" srcId="{756C9CFC-01ED-4A3E-87BC-FFA543AAD9FD}" destId="{EE0772B0-7EE2-413F-A047-E0575C08F058}" srcOrd="1" destOrd="0" parTransId="{2CB64343-F343-4EB2-862A-948E330916A6}" sibTransId="{B1AD9A0F-F256-4FDB-9A6B-FF77D438DBC2}"/>
     <dgm:cxn modelId="{5305D345-8A01-4E24-B181-2980B8FCDC11}" type="presOf" srcId="{1621CAAD-CC2C-4A54-9014-AC50A392259F}" destId="{1AE8973D-0DBF-4428-8F44-086A53805AF5}" srcOrd="0" destOrd="0" presId="urn:microsoft.com/office/officeart/2005/8/layout/hierarchy2"/>
     <dgm:cxn modelId="{67C7FC6E-AE05-4B7E-9CC2-96AC76EA57E6}" type="presOf" srcId="{5370D54F-87D4-4AC3-A086-A99497F54FE8}" destId="{2DB4C7CF-2F10-4E97-82F1-04DA0A0FA558}" srcOrd="1" destOrd="0" presId="urn:microsoft.com/office/officeart/2005/8/layout/hierarchy2"/>
-    <dgm:cxn modelId="{4C0CB679-BDAD-4C9D-9AA8-33EC9F8A80BD}" type="presOf" srcId="{F1D61B3D-9D1E-4FE3-B1D5-E2F233B76151}" destId="{E5E6228A-DC46-432E-B944-DB58F2A9E01B}" srcOrd="1" destOrd="0" presId="urn:microsoft.com/office/officeart/2005/8/layout/hierarchy2"/>
     <dgm:cxn modelId="{E0E99995-A3D8-46AD-B7C9-B58944F7B922}" srcId="{756C9CFC-01ED-4A3E-87BC-FFA543AAD9FD}" destId="{51142963-7CD4-4321-8E9E-4067F677A615}" srcOrd="0" destOrd="0" parTransId="{C2F6420C-C8D3-4E1B-B92B-C8F8703D178F}" sibTransId="{C5032131-F2C4-4251-8E60-DDD323F9FF36}"/>
     <dgm:cxn modelId="{77EFB59A-56F9-4CC2-8604-FE8796498261}" type="presOf" srcId="{5370D54F-87D4-4AC3-A086-A99497F54FE8}" destId="{4F13DE6A-9B1F-4A2A-85E8-409AA3621DF8}" srcOrd="0" destOrd="0" presId="urn:microsoft.com/office/officeart/2005/8/layout/hierarchy2"/>
     <dgm:cxn modelId="{14046FA6-9EFD-4CDA-A269-F6860AD1033E}" type="presOf" srcId="{51142963-7CD4-4321-8E9E-4067F677A615}" destId="{BA60402B-E05A-4E62-96B5-DF22CF0FA7A3}" srcOrd="0" destOrd="0" presId="urn:microsoft.com/office/officeart/2005/8/layout/hierarchy2"/>
     <dgm:cxn modelId="{7CCFC8A6-3A4D-40B1-991C-CC53E8E6701B}" type="presOf" srcId="{1FFF682E-0393-48A7-A2BD-391486A935F9}" destId="{0A658456-205D-408A-95C5-D737902BBA89}" srcOrd="1" destOrd="0" presId="urn:microsoft.com/office/officeart/2005/8/layout/hierarchy2"/>
-    <dgm:cxn modelId="{7DCDF5AA-DFE3-4E0A-9588-690BB8714D3F}" srcId="{EE0772B0-7EE2-413F-A047-E0575C08F058}" destId="{1726A6E2-793A-4C94-9B92-BBDB332751CF}" srcOrd="2" destOrd="0" parTransId="{F1D61B3D-9D1E-4FE3-B1D5-E2F233B76151}" sibTransId="{9178E373-DC9B-4688-9CF1-D514C83AA822}"/>
     <dgm:cxn modelId="{B56218B5-463E-4D99-A65C-339E4563135F}" srcId="{EE0772B0-7EE2-413F-A047-E0575C08F058}" destId="{1621CAAD-CC2C-4A54-9014-AC50A392259F}" srcOrd="0" destOrd="0" parTransId="{5370D54F-87D4-4AC3-A086-A99497F54FE8}" sibTransId="{04664A0E-42A9-48E3-A5B0-0189BD4ADBC7}"/>
     <dgm:cxn modelId="{B79AD1B8-8FD5-48CA-B1A0-62DB80559A9F}" type="presOf" srcId="{756C9CFC-01ED-4A3E-87BC-FFA543AAD9FD}" destId="{BE93ADB6-3FF7-478E-ADB3-F86CA18F1655}" srcOrd="0" destOrd="0" presId="urn:microsoft.com/office/officeart/2005/8/layout/hierarchy2"/>
-    <dgm:cxn modelId="{94D9A3C2-D201-48E3-B7D9-E73ECFB2480D}" type="presOf" srcId="{1726A6E2-793A-4C94-9B92-BBDB332751CF}" destId="{6CBF519E-9853-40C3-8C28-79CD85D63198}" srcOrd="0" destOrd="0" presId="urn:microsoft.com/office/officeart/2005/8/layout/hierarchy2"/>
-    <dgm:cxn modelId="{B69DF2C4-E52A-48C0-BEE0-ADEF9E7908C8}" type="presOf" srcId="{F1D61B3D-9D1E-4FE3-B1D5-E2F233B76151}" destId="{A16E4CD3-79FA-4C2A-BC8D-799AB44680CA}" srcOrd="0" destOrd="0" presId="urn:microsoft.com/office/officeart/2005/8/layout/hierarchy2"/>
     <dgm:cxn modelId="{3A2D47F1-00E8-4423-9CE9-DEE9655E46CD}" type="presOf" srcId="{1FFF682E-0393-48A7-A2BD-391486A935F9}" destId="{50C01282-8CBF-48CA-A1D2-D36067446B0F}" srcOrd="0" destOrd="0" presId="urn:microsoft.com/office/officeart/2005/8/layout/hierarchy2"/>
     <dgm:cxn modelId="{559952F6-136D-4F47-9509-0158A6AD9103}" type="presOf" srcId="{EE0772B0-7EE2-413F-A047-E0575C08F058}" destId="{481C96D1-B3A4-4CCE-9A62-AEC492199D16}" srcOrd="0" destOrd="0" presId="urn:microsoft.com/office/officeart/2005/8/layout/hierarchy2"/>
     <dgm:cxn modelId="{37F0A4FF-F221-40CA-82BD-78B34EABA8AF}" type="presOf" srcId="{6E5B5EFE-A297-46AB-8D5E-D3E9E5F4D38A}" destId="{2B9DFF1D-16C8-4142-8A24-059B2EB94A5C}" srcOrd="0" destOrd="0" presId="urn:microsoft.com/office/officeart/2005/8/layout/hierarchy2"/>
@@ -8741,11 +8668,6 @@
     <dgm:cxn modelId="{01EF74DF-7232-42E9-8525-FB2DF10DE783}" type="presParOf" srcId="{899756AE-662A-4B0C-98CB-281E912A79F4}" destId="{4C613991-4FBB-4902-BA0C-FCC16C46D3E1}" srcOrd="3" destOrd="0" presId="urn:microsoft.com/office/officeart/2005/8/layout/hierarchy2"/>
     <dgm:cxn modelId="{606F495C-D7B5-4DF3-B6CB-8C6F8BCBE443}" type="presParOf" srcId="{4C613991-4FBB-4902-BA0C-FCC16C46D3E1}" destId="{2B9DFF1D-16C8-4142-8A24-059B2EB94A5C}" srcOrd="0" destOrd="0" presId="urn:microsoft.com/office/officeart/2005/8/layout/hierarchy2"/>
     <dgm:cxn modelId="{8EF81AF5-E2A6-42F1-96ED-AA2C19177D58}" type="presParOf" srcId="{4C613991-4FBB-4902-BA0C-FCC16C46D3E1}" destId="{4DDDC86F-3A76-4195-BEDC-51D524333491}" srcOrd="1" destOrd="0" presId="urn:microsoft.com/office/officeart/2005/8/layout/hierarchy2"/>
-    <dgm:cxn modelId="{5E9E77D4-2C82-440A-9159-C7798EFA488E}" type="presParOf" srcId="{899756AE-662A-4B0C-98CB-281E912A79F4}" destId="{A16E4CD3-79FA-4C2A-BC8D-799AB44680CA}" srcOrd="4" destOrd="0" presId="urn:microsoft.com/office/officeart/2005/8/layout/hierarchy2"/>
-    <dgm:cxn modelId="{20760090-1803-4F9A-BA73-E21E52FA8FE0}" type="presParOf" srcId="{A16E4CD3-79FA-4C2A-BC8D-799AB44680CA}" destId="{E5E6228A-DC46-432E-B944-DB58F2A9E01B}" srcOrd="0" destOrd="0" presId="urn:microsoft.com/office/officeart/2005/8/layout/hierarchy2"/>
-    <dgm:cxn modelId="{A0FB8E33-E0B2-41E9-8222-58D9D1EBE826}" type="presParOf" srcId="{899756AE-662A-4B0C-98CB-281E912A79F4}" destId="{06981AB9-FB26-429B-8ED1-C487F82CFFB7}" srcOrd="5" destOrd="0" presId="urn:microsoft.com/office/officeart/2005/8/layout/hierarchy2"/>
-    <dgm:cxn modelId="{838A793E-6538-4624-A0A5-87ECBCD2C55A}" type="presParOf" srcId="{06981AB9-FB26-429B-8ED1-C487F82CFFB7}" destId="{6CBF519E-9853-40C3-8C28-79CD85D63198}" srcOrd="0" destOrd="0" presId="urn:microsoft.com/office/officeart/2005/8/layout/hierarchy2"/>
-    <dgm:cxn modelId="{CE293A50-095C-4AF6-8019-1AC82F654A31}" type="presParOf" srcId="{06981AB9-FB26-429B-8ED1-C487F82CFFB7}" destId="{F47E3B55-1ADC-4D6C-ABA3-B6CCA2D2B152}" srcOrd="1" destOrd="0" presId="urn:microsoft.com/office/officeart/2005/8/layout/hierarchy2"/>
   </dgm:cxnLst>
   <dgm:bg/>
   <dgm:whole/>
@@ -9015,7 +8937,7 @@
         <a:lstStyle/>
         <a:p>
           <a:r>
-            <a:rPr lang="en-US"/>
+            <a:rPr lang="en-US" dirty="0"/>
             <a:t>Sum of Number of Resources / Travel Time</a:t>
           </a:r>
         </a:p>
@@ -9051,7 +8973,7 @@
         <a:lstStyle/>
         <a:p>
           <a:r>
-            <a:rPr lang="en-US"/>
+            <a:rPr lang="en-US" dirty="0"/>
             <a:t>Example:</a:t>
           </a:r>
         </a:p>
@@ -9087,7 +9009,7 @@
         <a:lstStyle/>
         <a:p>
           <a:r>
-            <a:rPr lang="en-US"/>
+            <a:rPr lang="en-US" dirty="0"/>
             <a:t>A Census Tract has 1 hospital in its “home” census area, 2 hospitals that are in another Census Tract that is 20 minutes away and 10 that are in a Census Tract that is an hour away.</a:t>
           </a:r>
         </a:p>
@@ -9123,7 +9045,7 @@
         <a:lstStyle/>
         <a:p>
           <a:r>
-            <a:rPr lang="en-US"/>
+            <a:rPr lang="en-US" dirty="0"/>
             <a:t>Weighted Access Index for hospitals in this Census Tract would be:</a:t>
           </a:r>
         </a:p>
@@ -9159,7 +9081,7 @@
         <a:lstStyle/>
         <a:p>
           <a:r>
-            <a:rPr lang="en-US"/>
+            <a:rPr lang="en-US" dirty="0"/>
             <a:t>1 hospital / 1 minute (nominal travel time) + 2 / 20 minutes + 10 / 60 minutes =&gt; 1 + 0.10 + 0.16 = 1.16. </a:t>
           </a:r>
         </a:p>
@@ -9269,7 +9191,7 @@
 <dgm:dataModel xmlns:dgm="http://schemas.openxmlformats.org/drawingml/2006/diagram" xmlns:a="http://schemas.openxmlformats.org/drawingml/2006/main">
   <dgm:ptLst>
     <dgm:pt modelId="{957A208C-FCE2-41F7-BD9E-45B6253B6A97}" type="doc">
-      <dgm:prSet loTypeId="urn:microsoft.com/office/officeart/2005/8/layout/vList2" loCatId="list" qsTypeId="urn:microsoft.com/office/officeart/2005/8/quickstyle/simple2" qsCatId="simple" csTypeId="urn:microsoft.com/office/officeart/2005/8/colors/colorful2" csCatId="colorful"/>
+      <dgm:prSet loTypeId="urn:microsoft.com/office/officeart/2005/8/layout/vList2" loCatId="list" qsTypeId="urn:microsoft.com/office/officeart/2005/8/quickstyle/simple2" qsCatId="simple" csTypeId="urn:microsoft.com/office/officeart/2005/8/colors/colorful2" csCatId="colorful" phldr="1"/>
       <dgm:spPr/>
       <dgm:t>
         <a:bodyPr/>
@@ -9287,7 +9209,7 @@
         <a:lstStyle/>
         <a:p>
           <a:r>
-            <a:rPr lang="en-US"/>
+            <a:rPr lang="en-US" dirty="0"/>
             <a:t>Two Approaches:</a:t>
           </a:r>
         </a:p>
@@ -9323,7 +9245,7 @@
         <a:lstStyle/>
         <a:p>
           <a:r>
-            <a:rPr lang="en-US"/>
+            <a:rPr lang="en-US" dirty="0"/>
             <a:t>Point-to-Point</a:t>
           </a:r>
         </a:p>
@@ -9359,7 +9281,7 @@
         <a:lstStyle/>
         <a:p>
           <a:r>
-            <a:rPr lang="en-US"/>
+            <a:rPr lang="en-US" dirty="0"/>
             <a:t>Area-to-Area</a:t>
           </a:r>
         </a:p>
@@ -9395,7 +9317,7 @@
         <a:lstStyle/>
         <a:p>
           <a:r>
-            <a:rPr lang="en-US"/>
+            <a:rPr lang="en-US" dirty="0"/>
             <a:t>Two Methods to Calculate</a:t>
           </a:r>
         </a:p>
@@ -9431,8 +9353,8 @@
         <a:lstStyle/>
         <a:p>
           <a:r>
-            <a:rPr lang="en-US"/>
-            <a:t>Directly calculate with a tool such as OpenTripPlanner or GoogleMaps API</a:t>
+            <a:rPr lang="en-US" dirty="0"/>
+            <a:t>Direct measure with a routing tool such as OpenTripPlanner or Google Maps API</a:t>
           </a:r>
         </a:p>
       </dgm:t>
@@ -9467,8 +9389,8 @@
         <a:lstStyle/>
         <a:p>
           <a:r>
-            <a:rPr lang="en-US"/>
-            <a:t>Pre-computed travel times from University of Chicago*(only works with Area-to-Area)</a:t>
+            <a:rPr lang="en-US" dirty="0"/>
+            <a:t>Pre-computed travel times from University of Chicago*(only for Area-to-Area)</a:t>
           </a:r>
         </a:p>
       </dgm:t>
@@ -9595,7 +9517,7 @@
             </a:lnSpc>
           </a:pPr>
           <a:r>
-            <a:rPr lang="en-US"/>
+            <a:rPr lang="en-US" dirty="0"/>
             <a:t>Current Structure</a:t>
           </a:r>
         </a:p>
@@ -9674,7 +9596,7 @@
             </a:lnSpc>
           </a:pPr>
           <a:r>
-            <a:rPr lang="en-US"/>
+            <a:rPr lang="en-US" dirty="0"/>
             <a:t>Walkthrough</a:t>
           </a:r>
         </a:p>
@@ -9999,7 +9921,7 @@
             <a:buNone/>
           </a:pPr>
           <a:r>
-            <a:rPr lang="en-US" sz="2200" kern="1200"/>
+            <a:rPr lang="en-US" sz="2200" kern="1200" dirty="0"/>
             <a:t>Objective</a:t>
           </a:r>
         </a:p>
@@ -10149,7 +10071,7 @@
             <a:buNone/>
           </a:pPr>
           <a:r>
-            <a:rPr lang="en-US" sz="2200" kern="1200"/>
+            <a:rPr lang="en-US" sz="2200" kern="1200" dirty="0"/>
             <a:t>Background / Process</a:t>
           </a:r>
         </a:p>
@@ -10209,7 +10131,7 @@
             <a:buNone/>
           </a:pPr>
           <a:r>
-            <a:rPr lang="en-US" sz="1600" kern="1200"/>
+            <a:rPr lang="en-US" sz="1600" kern="1200" dirty="0"/>
             <a:t>Tools and Technology</a:t>
           </a:r>
         </a:p>
@@ -10227,7 +10149,7 @@
             <a:buNone/>
           </a:pPr>
           <a:r>
-            <a:rPr lang="en-US" sz="1600" kern="1200"/>
+            <a:rPr lang="en-US" sz="1600" kern="1200" dirty="0"/>
             <a:t>What’s in a Metric?</a:t>
           </a:r>
         </a:p>
@@ -10245,7 +10167,7 @@
             <a:buNone/>
           </a:pPr>
           <a:r>
-            <a:rPr lang="en-US" sz="1600" kern="1200"/>
+            <a:rPr lang="en-US" sz="1600" kern="1200" dirty="0"/>
             <a:t>Other Considerations</a:t>
           </a:r>
         </a:p>
@@ -10395,7 +10317,7 @@
             <a:buNone/>
           </a:pPr>
           <a:r>
-            <a:rPr lang="en-US" sz="2200" kern="1200"/>
+            <a:rPr lang="en-US" sz="2200" kern="1200" dirty="0"/>
             <a:t>Application</a:t>
           </a:r>
         </a:p>
@@ -10455,7 +10377,7 @@
             <a:buNone/>
           </a:pPr>
           <a:r>
-            <a:rPr lang="en-US" sz="1600" kern="1200"/>
+            <a:rPr lang="en-US" sz="1600" kern="1200" dirty="0"/>
             <a:t>Current Setup</a:t>
           </a:r>
         </a:p>
@@ -10473,7 +10395,7 @@
             <a:buNone/>
           </a:pPr>
           <a:r>
-            <a:rPr lang="en-US" sz="1600" kern="1200"/>
+            <a:rPr lang="en-US" sz="1600" kern="1200" dirty="0"/>
             <a:t>Future Ideas</a:t>
           </a:r>
         </a:p>
@@ -10623,7 +10545,7 @@
             <a:buNone/>
           </a:pPr>
           <a:r>
-            <a:rPr lang="en-US" sz="2200" kern="1200"/>
+            <a:rPr lang="en-US" sz="2200" kern="1200" dirty="0"/>
             <a:t>Closing Remarks</a:t>
           </a:r>
         </a:p>
@@ -10972,7 +10894,7 @@
       </dsp:nvSpPr>
       <dsp:spPr>
         <a:xfrm>
-          <a:off x="7324" y="228323"/>
+          <a:off x="7324" y="652978"/>
           <a:ext cx="2954124" cy="1477062"/>
         </a:xfrm>
         <a:prstGeom prst="roundRect">
@@ -11044,7 +10966,7 @@
         </a:p>
       </dsp:txBody>
       <dsp:txXfrm>
-        <a:off x="50586" y="271585"/>
+        <a:off x="50586" y="696240"/>
         <a:ext cx="2867600" cy="1390538"/>
       </dsp:txXfrm>
     </dsp:sp>
@@ -11055,7 +10977,7 @@
       </dsp:nvSpPr>
       <dsp:spPr>
         <a:xfrm>
-          <a:off x="7324" y="1926944"/>
+          <a:off x="7324" y="2351600"/>
           <a:ext cx="2954124" cy="1477062"/>
         </a:xfrm>
         <a:prstGeom prst="roundRect">
@@ -11123,7 +11045,7 @@
         </a:p>
       </dsp:txBody>
       <dsp:txXfrm>
-        <a:off x="50586" y="1970206"/>
+        <a:off x="50586" y="2394862"/>
         <a:ext cx="2867600" cy="1390538"/>
       </dsp:txXfrm>
     </dsp:sp>
@@ -11133,9 +11055,9 @@
         <dsp:cNvSpPr/>
       </dsp:nvSpPr>
       <dsp:spPr>
-        <a:xfrm rot="18289469">
-          <a:off x="2517671" y="1791228"/>
-          <a:ext cx="2069205" cy="49873"/>
+        <a:xfrm rot="19457599">
+          <a:off x="2824671" y="2640539"/>
+          <a:ext cx="1455206" cy="49873"/>
         </a:xfrm>
         <a:custGeom>
           <a:avLst/>
@@ -11149,7 +11071,7 @@
                 <a:pt x="0" y="24936"/>
               </a:moveTo>
               <a:lnTo>
-                <a:pt x="2069205" y="24936"/>
+                <a:pt x="1455206" y="24936"/>
               </a:lnTo>
             </a:path>
           </a:pathLst>
@@ -11186,7 +11108,7 @@
         </a:bodyPr>
         <a:lstStyle/>
         <a:p>
-          <a:pPr marL="0" lvl="0" indent="0" algn="ctr" defTabSz="311150">
+          <a:pPr marL="0" lvl="0" indent="0" algn="ctr" defTabSz="222250">
             <a:lnSpc>
               <a:spcPct val="90000"/>
             </a:lnSpc>
@@ -11198,12 +11120,12 @@
             </a:spcAft>
             <a:buNone/>
           </a:pPr>
-          <a:endParaRPr lang="en-US" sz="700" kern="1200"/>
+          <a:endParaRPr lang="en-US" sz="500" kern="1200" dirty="0"/>
         </a:p>
       </dsp:txBody>
       <dsp:txXfrm>
-        <a:off x="3500544" y="1764434"/>
-        <a:ext cx="103460" cy="103460"/>
+        <a:off x="3515894" y="2629095"/>
+        <a:ext cx="72760" cy="72760"/>
       </dsp:txXfrm>
     </dsp:sp>
     <dsp:sp modelId="{1AE8973D-0DBF-4428-8F44-086A53805AF5}">
@@ -11213,7 +11135,7 @@
       </dsp:nvSpPr>
       <dsp:spPr>
         <a:xfrm>
-          <a:off x="4143099" y="228323"/>
+          <a:off x="4143099" y="1502289"/>
           <a:ext cx="2954124" cy="1477062"/>
         </a:xfrm>
         <a:prstGeom prst="roundRect">
@@ -11276,20 +11198,12 @@
           </a:pPr>
           <a:r>
             <a:rPr lang="en-US" sz="1600" kern="1200" dirty="0"/>
-            <a:t>Direct interface with pertinent information sources (e.g., demographic information from Census Bureau, </a:t>
-          </a:r>
-          <a:r>
-            <a:rPr lang="en-US" sz="1600" kern="1200" dirty="0" err="1"/>
-            <a:t>OpenTripPlanner</a:t>
-          </a:r>
-          <a:r>
-            <a:rPr lang="en-US" sz="1600" kern="1200" dirty="0"/>
-            <a:t> travel time calculations)</a:t>
+            <a:t>Direct interface with pertinent information sources (e.g., demographic information from Census Bureau, OpenTripPlanner travel time calculations)</a:t>
           </a:r>
         </a:p>
       </dsp:txBody>
       <dsp:txXfrm>
-        <a:off x="4186361" y="271585"/>
+        <a:off x="4186361" y="1545551"/>
         <a:ext cx="2867600" cy="1390538"/>
       </dsp:txXfrm>
     </dsp:sp>
@@ -11299,9 +11213,9 @@
         <dsp:cNvSpPr/>
       </dsp:nvSpPr>
       <dsp:spPr>
-        <a:xfrm>
-          <a:off x="2961449" y="2640539"/>
-          <a:ext cx="1181649" cy="49873"/>
+        <a:xfrm rot="2142401">
+          <a:off x="2824671" y="3489850"/>
+          <a:ext cx="1455206" cy="49873"/>
         </a:xfrm>
         <a:custGeom>
           <a:avLst/>
@@ -11315,7 +11229,7 @@
                 <a:pt x="0" y="24936"/>
               </a:moveTo>
               <a:lnTo>
-                <a:pt x="1181649" y="24936"/>
+                <a:pt x="1455206" y="24936"/>
               </a:lnTo>
             </a:path>
           </a:pathLst>
@@ -11364,12 +11278,12 @@
             </a:spcAft>
             <a:buNone/>
           </a:pPr>
-          <a:endParaRPr lang="en-US" sz="500" kern="1200"/>
+          <a:endParaRPr lang="en-US" sz="500" kern="1200" dirty="0"/>
         </a:p>
       </dsp:txBody>
       <dsp:txXfrm>
-        <a:off x="3522733" y="2635934"/>
-        <a:ext cx="59082" cy="59082"/>
+        <a:off x="3515894" y="3478406"/>
+        <a:ext cx="72760" cy="72760"/>
       </dsp:txXfrm>
     </dsp:sp>
     <dsp:sp modelId="{2B9DFF1D-16C8-4142-8A24-059B2EB94A5C}">
@@ -11379,7 +11293,7 @@
       </dsp:nvSpPr>
       <dsp:spPr>
         <a:xfrm>
-          <a:off x="4143099" y="1926944"/>
+          <a:off x="4143099" y="3200911"/>
           <a:ext cx="2954124" cy="1477062"/>
         </a:xfrm>
         <a:prstGeom prst="roundRect">
@@ -11441,172 +11355,13 @@
             <a:buNone/>
           </a:pPr>
           <a:r>
-            <a:rPr lang="en-US" sz="1600" kern="1200"/>
+            <a:rPr lang="en-US" sz="1600" kern="1200" dirty="0"/>
             <a:t>Extensions that enable document creation or reporting dashboard without needing to learn other programming tools.</a:t>
           </a:r>
         </a:p>
       </dsp:txBody>
       <dsp:txXfrm>
-        <a:off x="4186361" y="1970206"/>
-        <a:ext cx="2867600" cy="1390538"/>
-      </dsp:txXfrm>
-    </dsp:sp>
-    <dsp:sp modelId="{A16E4CD3-79FA-4C2A-BC8D-799AB44680CA}">
-      <dsp:nvSpPr>
-        <dsp:cNvPr id="0" name=""/>
-        <dsp:cNvSpPr/>
-      </dsp:nvSpPr>
-      <dsp:spPr>
-        <a:xfrm rot="3310531">
-          <a:off x="2517671" y="3489850"/>
-          <a:ext cx="2069205" cy="49873"/>
-        </a:xfrm>
-        <a:custGeom>
-          <a:avLst/>
-          <a:gdLst/>
-          <a:ahLst/>
-          <a:cxnLst/>
-          <a:rect l="0" t="0" r="0" b="0"/>
-          <a:pathLst>
-            <a:path>
-              <a:moveTo>
-                <a:pt x="0" y="24936"/>
-              </a:moveTo>
-              <a:lnTo>
-                <a:pt x="2069205" y="24936"/>
-              </a:lnTo>
-            </a:path>
-          </a:pathLst>
-        </a:custGeom>
-        <a:noFill/>
-        <a:ln w="10795" cap="flat" cmpd="sng" algn="ctr">
-          <a:solidFill>
-            <a:schemeClr val="accent2">
-              <a:hueOff val="0"/>
-              <a:satOff val="0"/>
-              <a:lumOff val="0"/>
-              <a:alphaOff val="0"/>
-            </a:schemeClr>
-          </a:solidFill>
-          <a:prstDash val="solid"/>
-        </a:ln>
-        <a:effectLst/>
-      </dsp:spPr>
-      <dsp:style>
-        <a:lnRef idx="2">
-          <a:scrgbClr r="0" g="0" b="0"/>
-        </a:lnRef>
-        <a:fillRef idx="0">
-          <a:scrgbClr r="0" g="0" b="0"/>
-        </a:fillRef>
-        <a:effectRef idx="0">
-          <a:scrgbClr r="0" g="0" b="0"/>
-        </a:effectRef>
-        <a:fontRef idx="minor"/>
-      </dsp:style>
-      <dsp:txBody>
-        <a:bodyPr spcFirstLastPara="0" vert="horz" wrap="square" lIns="12700" tIns="0" rIns="12700" bIns="0" numCol="1" spcCol="1270" anchor="ctr" anchorCtr="0">
-          <a:noAutofit/>
-        </a:bodyPr>
-        <a:lstStyle/>
-        <a:p>
-          <a:pPr marL="0" lvl="0" indent="0" algn="ctr" defTabSz="311150">
-            <a:lnSpc>
-              <a:spcPct val="90000"/>
-            </a:lnSpc>
-            <a:spcBef>
-              <a:spcPct val="0"/>
-            </a:spcBef>
-            <a:spcAft>
-              <a:spcPct val="35000"/>
-            </a:spcAft>
-            <a:buNone/>
-          </a:pPr>
-          <a:endParaRPr lang="en-US" sz="700" kern="1200"/>
-        </a:p>
-      </dsp:txBody>
-      <dsp:txXfrm>
-        <a:off x="3500544" y="3463056"/>
-        <a:ext cx="103460" cy="103460"/>
-      </dsp:txXfrm>
-    </dsp:sp>
-    <dsp:sp modelId="{6CBF519E-9853-40C3-8C28-79CD85D63198}">
-      <dsp:nvSpPr>
-        <dsp:cNvPr id="0" name=""/>
-        <dsp:cNvSpPr/>
-      </dsp:nvSpPr>
-      <dsp:spPr>
-        <a:xfrm>
-          <a:off x="4143099" y="3625566"/>
-          <a:ext cx="2954124" cy="1477062"/>
-        </a:xfrm>
-        <a:prstGeom prst="roundRect">
-          <a:avLst>
-            <a:gd name="adj" fmla="val 10000"/>
-          </a:avLst>
-        </a:prstGeom>
-        <a:solidFill>
-          <a:schemeClr val="accent2">
-            <a:hueOff val="0"/>
-            <a:satOff val="0"/>
-            <a:lumOff val="0"/>
-            <a:alphaOff val="0"/>
-          </a:schemeClr>
-        </a:solidFill>
-        <a:ln w="17145" cap="flat" cmpd="sng" algn="ctr">
-          <a:solidFill>
-            <a:schemeClr val="lt1">
-              <a:hueOff val="0"/>
-              <a:satOff val="0"/>
-              <a:lumOff val="0"/>
-              <a:alphaOff val="0"/>
-            </a:schemeClr>
-          </a:solidFill>
-          <a:prstDash val="solid"/>
-        </a:ln>
-        <a:effectLst/>
-      </dsp:spPr>
-      <dsp:style>
-        <a:lnRef idx="3">
-          <a:scrgbClr r="0" g="0" b="0"/>
-        </a:lnRef>
-        <a:fillRef idx="1">
-          <a:scrgbClr r="0" g="0" b="0"/>
-        </a:fillRef>
-        <a:effectRef idx="1">
-          <a:scrgbClr r="0" g="0" b="0"/>
-        </a:effectRef>
-        <a:fontRef idx="minor">
-          <a:schemeClr val="lt1"/>
-        </a:fontRef>
-      </dsp:style>
-      <dsp:txBody>
-        <a:bodyPr spcFirstLastPara="0" vert="horz" wrap="square" lIns="10160" tIns="10160" rIns="10160" bIns="10160" numCol="1" spcCol="1270" anchor="ctr" anchorCtr="0">
-          <a:noAutofit/>
-        </a:bodyPr>
-        <a:lstStyle/>
-        <a:p>
-          <a:pPr marL="0" lvl="0" indent="0" algn="ctr" defTabSz="711200">
-            <a:lnSpc>
-              <a:spcPct val="90000"/>
-            </a:lnSpc>
-            <a:spcBef>
-              <a:spcPct val="0"/>
-            </a:spcBef>
-            <a:spcAft>
-              <a:spcPct val="35000"/>
-            </a:spcAft>
-            <a:buNone/>
-          </a:pPr>
-          <a:r>
-            <a:rPr lang="en-US" sz="1600" b="1" i="1" kern="1200"/>
-            <a:t>Potentially mention Rmarkdown</a:t>
-          </a:r>
-          <a:endParaRPr lang="en-US" sz="1600" kern="1200"/>
-        </a:p>
-      </dsp:txBody>
-      <dsp:txXfrm>
-        <a:off x="4186361" y="3668828"/>
+        <a:off x="4186361" y="3244173"/>
         <a:ext cx="2867600" cy="1390538"/>
       </dsp:txXfrm>
     </dsp:sp>
@@ -11953,7 +11708,7 @@
             <a:buNone/>
           </a:pPr>
           <a:r>
-            <a:rPr lang="en-US" sz="3300" kern="1200"/>
+            <a:rPr lang="en-US" sz="3300" kern="1200" dirty="0"/>
             <a:t>Sum of Number of Resources / Travel Time</a:t>
           </a:r>
         </a:p>
@@ -12032,7 +11787,7 @@
             <a:buChar char="•"/>
           </a:pPr>
           <a:r>
-            <a:rPr lang="en-US" sz="1500" kern="1200"/>
+            <a:rPr lang="en-US" sz="1500" kern="1200" dirty="0"/>
             <a:t>A Census Tract has 1 hospital in its “home” census area, 2 hospitals that are in another Census Tract that is 20 minutes away and 10 that are in a Census Tract that is an hour away.</a:t>
           </a:r>
         </a:p>
@@ -12050,7 +11805,7 @@
             <a:buChar char="•"/>
           </a:pPr>
           <a:r>
-            <a:rPr lang="en-US" sz="1500" kern="1200"/>
+            <a:rPr lang="en-US" sz="1500" kern="1200" dirty="0"/>
             <a:t>Weighted Access Index for hospitals in this Census Tract would be:</a:t>
           </a:r>
         </a:p>
@@ -12068,7 +11823,7 @@
             <a:buChar char="•"/>
           </a:pPr>
           <a:r>
-            <a:rPr lang="en-US" sz="1500" kern="1200"/>
+            <a:rPr lang="en-US" sz="1500" kern="1200" dirty="0"/>
             <a:t>1 hospital / 1 minute (nominal travel time) + 2 / 20 minutes + 10 / 60 minutes =&gt; 1 + 0.10 + 0.16 = 1.16. </a:t>
           </a:r>
         </a:p>
@@ -12145,7 +11900,7 @@
             <a:buNone/>
           </a:pPr>
           <a:r>
-            <a:rPr lang="en-US" sz="3300" kern="1200"/>
+            <a:rPr lang="en-US" sz="3300" kern="1200" dirty="0"/>
             <a:t>Example:</a:t>
           </a:r>
         </a:p>
@@ -12234,7 +11989,7 @@
             <a:buNone/>
           </a:pPr>
           <a:r>
-            <a:rPr lang="en-US" sz="3900" kern="1200"/>
+            <a:rPr lang="en-US" sz="3900" kern="1200" dirty="0"/>
             <a:t>Two Approaches:</a:t>
           </a:r>
         </a:p>
@@ -12294,7 +12049,7 @@
             <a:buChar char="•"/>
           </a:pPr>
           <a:r>
-            <a:rPr lang="en-US" sz="3000" kern="1200"/>
+            <a:rPr lang="en-US" sz="3000" kern="1200" dirty="0"/>
             <a:t>Point-to-Point</a:t>
           </a:r>
         </a:p>
@@ -12312,7 +12067,7 @@
             <a:buChar char="•"/>
           </a:pPr>
           <a:r>
-            <a:rPr lang="en-US" sz="3000" kern="1200"/>
+            <a:rPr lang="en-US" sz="3000" kern="1200" dirty="0"/>
             <a:t>Area-to-Area</a:t>
           </a:r>
         </a:p>
@@ -12389,7 +12144,7 @@
             <a:buNone/>
           </a:pPr>
           <a:r>
-            <a:rPr lang="en-US" sz="3900" kern="1200"/>
+            <a:rPr lang="en-US" sz="3900" kern="1200" dirty="0"/>
             <a:t>Two Methods to Calculate</a:t>
           </a:r>
         </a:p>
@@ -12449,8 +12204,8 @@
             <a:buChar char="•"/>
           </a:pPr>
           <a:r>
-            <a:rPr lang="en-US" sz="3000" kern="1200"/>
-            <a:t>Directly calculate with a tool such as OpenTripPlanner or GoogleMaps API</a:t>
+            <a:rPr lang="en-US" sz="3000" kern="1200" dirty="0"/>
+            <a:t>Direct measure with a routing tool such as OpenTripPlanner or Google Maps API</a:t>
           </a:r>
         </a:p>
         <a:p>
@@ -12467,8 +12222,8 @@
             <a:buChar char="•"/>
           </a:pPr>
           <a:r>
-            <a:rPr lang="en-US" sz="3000" kern="1200"/>
-            <a:t>Pre-computed travel times from University of Chicago*(only works with Area-to-Area)</a:t>
+            <a:rPr lang="en-US" sz="3000" kern="1200" dirty="0"/>
+            <a:t>Pre-computed travel times from University of Chicago*(only for Area-to-Area)</a:t>
           </a:r>
         </a:p>
       </dsp:txBody>
@@ -12629,7 +12384,7 @@
             <a:buNone/>
           </a:pPr>
           <a:r>
-            <a:rPr lang="en-US" sz="2500" kern="1200"/>
+            <a:rPr lang="en-US" sz="2500" kern="1200" dirty="0"/>
             <a:t>Current Structure</a:t>
           </a:r>
         </a:p>
@@ -12836,7 +12591,7 @@
             <a:buNone/>
           </a:pPr>
           <a:r>
-            <a:rPr lang="en-US" sz="2500" kern="1200"/>
+            <a:rPr lang="en-US" sz="2500" kern="1200" dirty="0"/>
             <a:t>Walkthrough</a:t>
           </a:r>
         </a:p>
@@ -22025,7 +21780,7 @@
             </a:lvl1pPr>
           </a:lstStyle>
           <a:p>
-            <a:endParaRPr lang="en-US"/>
+            <a:endParaRPr lang="en-US" dirty="0"/>
           </a:p>
         </p:txBody>
       </p:sp>
@@ -22060,7 +21815,7 @@
               <a:rPr lang="en-US" smtClean="0"/>
               <a:t>3/27/2020</a:t>
             </a:fld>
-            <a:endParaRPr lang="en-US"/>
+            <a:endParaRPr lang="en-US" dirty="0"/>
           </a:p>
         </p:txBody>
       </p:sp>
@@ -22093,7 +21848,7 @@
           <a:bodyPr vert="horz" lIns="91440" tIns="45720" rIns="91440" bIns="45720" rtlCol="0" anchor="ctr"/>
           <a:lstStyle/>
           <a:p>
-            <a:endParaRPr lang="en-US"/>
+            <a:endParaRPr lang="en-US" dirty="0"/>
           </a:p>
         </p:txBody>
       </p:sp>
@@ -22183,7 +21938,7 @@
             </a:lvl1pPr>
           </a:lstStyle>
           <a:p>
-            <a:endParaRPr lang="en-US"/>
+            <a:endParaRPr lang="en-US" dirty="0"/>
           </a:p>
         </p:txBody>
       </p:sp>
@@ -22218,7 +21973,7 @@
               <a:rPr lang="en-US" smtClean="0"/>
               <a:t>‹#›</a:t>
             </a:fld>
-            <a:endParaRPr lang="en-US"/>
+            <a:endParaRPr lang="en-US" dirty="0"/>
           </a:p>
         </p:txBody>
       </p:sp>
@@ -22420,7 +22175,7 @@
               <a:rPr lang="en-US" smtClean="0"/>
               <a:t>10</a:t>
             </a:fld>
-            <a:endParaRPr lang="en-US"/>
+            <a:endParaRPr lang="en-US" dirty="0"/>
           </a:p>
         </p:txBody>
       </p:sp>
@@ -24868,10 +24623,9 @@
           </a:lstStyle>
           <a:p>
             <a:r>
-              <a:rPr lang="en-US"/>
+              <a:rPr lang="en-US" dirty="0"/>
               <a:t>Click icon to add picture</a:t>
             </a:r>
-            <a:endParaRPr lang="en-US" dirty="0"/>
           </a:p>
         </p:txBody>
       </p:sp>
@@ -25843,7 +25597,7 @@
           <a:lstStyle/>
           <a:p>
             <a:pPr algn="ctr"/>
-            <a:endParaRPr lang="en-US"/>
+            <a:endParaRPr lang="en-US" dirty="0"/>
           </a:p>
         </p:txBody>
       </p:sp>
@@ -26430,7 +26184,7 @@
           <a:lstStyle/>
           <a:p>
             <a:pPr algn="ctr"/>
-            <a:endParaRPr lang="en-US"/>
+            <a:endParaRPr lang="en-US" dirty="0"/>
           </a:p>
         </p:txBody>
       </p:sp>
@@ -26520,10 +26274,9 @@
           <a:lstStyle/>
           <a:p>
             <a:r>
-              <a:rPr lang="en-US" b="1"/>
+              <a:rPr lang="en-US" b="1" dirty="0"/>
               <a:t>Future Ideas</a:t>
             </a:r>
-            <a:endParaRPr lang="en-US" b="1" dirty="0"/>
           </a:p>
         </p:txBody>
       </p:sp>
@@ -26929,7 +26682,7 @@
           <a:lstStyle/>
           <a:p>
             <a:pPr algn="ctr"/>
-            <a:endParaRPr lang="en-US"/>
+            <a:endParaRPr lang="en-US" dirty="0"/>
           </a:p>
         </p:txBody>
       </p:sp>
@@ -27019,7 +26772,7 @@
           <a:lstStyle/>
           <a:p>
             <a:r>
-              <a:rPr lang="en-US" sz="5900" spc="-100"/>
+              <a:rPr lang="en-US" sz="5900" spc="-100" dirty="0"/>
               <a:t>Thank you</a:t>
             </a:r>
           </a:p>
@@ -27725,7 +27478,7 @@
             <p:ph idx="1"/>
             <p:extLst>
               <p:ext uri="{D42A27DB-BD31-4B8C-83A1-F6EECF244321}">
-                <p14:modId xmlns:p14="http://schemas.microsoft.com/office/powerpoint/2010/main" val="1503280802"/>
+                <p14:modId xmlns:p14="http://schemas.microsoft.com/office/powerpoint/2010/main" val="2805323899"/>
               </p:ext>
             </p:extLst>
           </p:nvPr>
@@ -27948,7 +27701,7 @@
           <a:lstStyle/>
           <a:p>
             <a:pPr algn="ctr"/>
-            <a:endParaRPr lang="en-US"/>
+            <a:endParaRPr lang="en-US" dirty="0"/>
           </a:p>
         </p:txBody>
       </p:sp>
@@ -28162,13 +27915,8 @@
           <a:p>
             <a:r>
               <a:rPr lang="en-US" dirty="0"/>
-              <a:t>Artwork by @</a:t>
+              <a:t>Artwork by @allison_horst</a:t>
             </a:r>
-            <a:r>
-              <a:rPr lang="en-US" dirty="0" err="1"/>
-              <a:t>allison_horst</a:t>
-            </a:r>
-            <a:endParaRPr lang="en-US" dirty="0"/>
           </a:p>
         </p:txBody>
       </p:sp>
@@ -28816,7 +28564,7 @@
             <p:ph idx="1"/>
             <p:extLst>
               <p:ext uri="{D42A27DB-BD31-4B8C-83A1-F6EECF244321}">
-                <p14:modId xmlns:p14="http://schemas.microsoft.com/office/powerpoint/2010/main" val="701313794"/>
+                <p14:modId xmlns:p14="http://schemas.microsoft.com/office/powerpoint/2010/main" val="1829513314"/>
               </p:ext>
             </p:extLst>
           </p:nvPr>
